--- a/Raport de projet/Le site web/WENDy’s.pptx
+++ b/Raport de projet/Le site web/WENDy’s.pptx
@@ -168,7 +168,7 @@
           <a:noFill/>
           <a:extLst>
             <a:ext uri="{909E8E84-426E-40dd-AFC4-6F175D3DCCD1}">
-              <a14:hiddenFill xmlns="" xmlns:a14="http://schemas.microsoft.com/office/drawing/2010/main">
+              <a14:hiddenFill xmlns:a14="http://schemas.microsoft.com/office/drawing/2010/main" xmlns="">
                 <a:solidFill>
                   <a:srgbClr val="FFFFFF"/>
                 </a:solidFill>
@@ -228,7 +228,7 @@
             </a:ln>
             <a:extLst>
               <a:ext uri="{91240B29-F687-4f45-9708-019B960494DF}">
-                <a14:hiddenLine xmlns="" xmlns:a14="http://schemas.microsoft.com/office/drawing/2010/main" w="9525">
+                <a14:hiddenLine xmlns:a14="http://schemas.microsoft.com/office/drawing/2010/main" xmlns="" w="9525">
                   <a:solidFill>
                     <a:srgbClr val="000000"/>
                   </a:solidFill>
@@ -318,7 +318,7 @@
             </a:ln>
             <a:extLst>
               <a:ext uri="{91240B29-F687-4f45-9708-019B960494DF}">
-                <a14:hiddenLine xmlns="" xmlns:a14="http://schemas.microsoft.com/office/drawing/2010/main" w="9525">
+                <a14:hiddenLine xmlns:a14="http://schemas.microsoft.com/office/drawing/2010/main" xmlns="" w="9525">
                   <a:solidFill>
                     <a:srgbClr val="000000"/>
                   </a:solidFill>
@@ -408,7 +408,7 @@
             </a:ln>
             <a:extLst>
               <a:ext uri="{91240B29-F687-4f45-9708-019B960494DF}">
-                <a14:hiddenLine xmlns="" xmlns:a14="http://schemas.microsoft.com/office/drawing/2010/main" w="9525">
+                <a14:hiddenLine xmlns:a14="http://schemas.microsoft.com/office/drawing/2010/main" xmlns="" w="9525">
                   <a:solidFill>
                     <a:srgbClr val="000000"/>
                   </a:solidFill>
@@ -442,7 +442,7 @@
             </a:ln>
             <a:extLst>
               <a:ext uri="{91240B29-F687-4f45-9708-019B960494DF}">
-                <a14:hiddenLine xmlns="" xmlns:a14="http://schemas.microsoft.com/office/drawing/2010/main" w="9525">
+                <a14:hiddenLine xmlns:a14="http://schemas.microsoft.com/office/drawing/2010/main" xmlns="" w="9525">
                   <a:solidFill>
                     <a:srgbClr val="000000"/>
                   </a:solidFill>
@@ -532,7 +532,7 @@
             </a:ln>
             <a:extLst>
               <a:ext uri="{91240B29-F687-4f45-9708-019B960494DF}">
-                <a14:hiddenLine xmlns="" xmlns:a14="http://schemas.microsoft.com/office/drawing/2010/main" w="9525">
+                <a14:hiddenLine xmlns:a14="http://schemas.microsoft.com/office/drawing/2010/main" xmlns="" w="9525">
                   <a:solidFill>
                     <a:srgbClr val="000000"/>
                   </a:solidFill>
@@ -594,7 +594,7 @@
             </a:ln>
             <a:extLst>
               <a:ext uri="{91240B29-F687-4f45-9708-019B960494DF}">
-                <a14:hiddenLine xmlns="" xmlns:a14="http://schemas.microsoft.com/office/drawing/2010/main" w="9525">
+                <a14:hiddenLine xmlns:a14="http://schemas.microsoft.com/office/drawing/2010/main" xmlns="" w="9525">
                   <a:solidFill>
                     <a:srgbClr val="000000"/>
                   </a:solidFill>
@@ -656,7 +656,7 @@
             </a:ln>
             <a:extLst>
               <a:ext uri="{91240B29-F687-4f45-9708-019B960494DF}">
-                <a14:hiddenLine xmlns="" xmlns:a14="http://schemas.microsoft.com/office/drawing/2010/main" w="9525">
+                <a14:hiddenLine xmlns:a14="http://schemas.microsoft.com/office/drawing/2010/main" xmlns="" w="9525">
                   <a:solidFill>
                     <a:srgbClr val="000000"/>
                   </a:solidFill>
@@ -746,7 +746,7 @@
             </a:ln>
             <a:extLst>
               <a:ext uri="{91240B29-F687-4f45-9708-019B960494DF}">
-                <a14:hiddenLine xmlns="" xmlns:a14="http://schemas.microsoft.com/office/drawing/2010/main" w="9525">
+                <a14:hiddenLine xmlns:a14="http://schemas.microsoft.com/office/drawing/2010/main" xmlns="" w="9525">
                   <a:solidFill>
                     <a:srgbClr val="000000"/>
                   </a:solidFill>
@@ -808,7 +808,7 @@
             </a:ln>
             <a:extLst>
               <a:ext uri="{91240B29-F687-4f45-9708-019B960494DF}">
-                <a14:hiddenLine xmlns="" xmlns:a14="http://schemas.microsoft.com/office/drawing/2010/main" w="9525">
+                <a14:hiddenLine xmlns:a14="http://schemas.microsoft.com/office/drawing/2010/main" xmlns="" w="9525">
                   <a:solidFill>
                     <a:srgbClr val="000000"/>
                   </a:solidFill>
@@ -870,7 +870,7 @@
             </a:ln>
             <a:extLst>
               <a:ext uri="{91240B29-F687-4f45-9708-019B960494DF}">
-                <a14:hiddenLine xmlns="" xmlns:a14="http://schemas.microsoft.com/office/drawing/2010/main" w="9525">
+                <a14:hiddenLine xmlns:a14="http://schemas.microsoft.com/office/drawing/2010/main" xmlns="" w="9525">
                   <a:solidFill>
                     <a:srgbClr val="000000"/>
                   </a:solidFill>
@@ -960,7 +960,7 @@
             </a:ln>
             <a:extLst>
               <a:ext uri="{91240B29-F687-4f45-9708-019B960494DF}">
-                <a14:hiddenLine xmlns="" xmlns:a14="http://schemas.microsoft.com/office/drawing/2010/main" w="9525">
+                <a14:hiddenLine xmlns:a14="http://schemas.microsoft.com/office/drawing/2010/main" xmlns="" w="9525">
                   <a:solidFill>
                     <a:srgbClr val="000000"/>
                   </a:solidFill>
@@ -1050,7 +1050,7 @@
             </a:ln>
             <a:extLst>
               <a:ext uri="{91240B29-F687-4f45-9708-019B960494DF}">
-                <a14:hiddenLine xmlns="" xmlns:a14="http://schemas.microsoft.com/office/drawing/2010/main" w="9525">
+                <a14:hiddenLine xmlns:a14="http://schemas.microsoft.com/office/drawing/2010/main" xmlns="" w="9525">
                   <a:solidFill>
                     <a:srgbClr val="000000"/>
                   </a:solidFill>
@@ -1112,7 +1112,7 @@
             </a:ln>
             <a:extLst>
               <a:ext uri="{91240B29-F687-4f45-9708-019B960494DF}">
-                <a14:hiddenLine xmlns="" xmlns:a14="http://schemas.microsoft.com/office/drawing/2010/main" w="9525">
+                <a14:hiddenLine xmlns:a14="http://schemas.microsoft.com/office/drawing/2010/main" xmlns="" w="9525">
                   <a:solidFill>
                     <a:srgbClr val="000000"/>
                   </a:solidFill>
@@ -1222,7 +1222,7 @@
             </a:ln>
             <a:extLst>
               <a:ext uri="{91240B29-F687-4f45-9708-019B960494DF}">
-                <a14:hiddenLine xmlns="" xmlns:a14="http://schemas.microsoft.com/office/drawing/2010/main" w="9525">
+                <a14:hiddenLine xmlns:a14="http://schemas.microsoft.com/office/drawing/2010/main" xmlns="" w="9525">
                   <a:solidFill>
                     <a:srgbClr val="000000"/>
                   </a:solidFill>
@@ -1284,7 +1284,7 @@
             </a:ln>
             <a:extLst>
               <a:ext uri="{91240B29-F687-4f45-9708-019B960494DF}">
-                <a14:hiddenLine xmlns="" xmlns:a14="http://schemas.microsoft.com/office/drawing/2010/main" w="9525">
+                <a14:hiddenLine xmlns:a14="http://schemas.microsoft.com/office/drawing/2010/main" xmlns="" w="9525">
                   <a:solidFill>
                     <a:srgbClr val="000000"/>
                   </a:solidFill>
@@ -1374,7 +1374,7 @@
             </a:ln>
             <a:extLst>
               <a:ext uri="{91240B29-F687-4f45-9708-019B960494DF}">
-                <a14:hiddenLine xmlns="" xmlns:a14="http://schemas.microsoft.com/office/drawing/2010/main" w="9525">
+                <a14:hiddenLine xmlns:a14="http://schemas.microsoft.com/office/drawing/2010/main" xmlns="" w="9525">
                   <a:solidFill>
                     <a:srgbClr val="000000"/>
                   </a:solidFill>
@@ -1464,7 +1464,7 @@
             </a:ln>
             <a:extLst>
               <a:ext uri="{91240B29-F687-4f45-9708-019B960494DF}">
-                <a14:hiddenLine xmlns="" xmlns:a14="http://schemas.microsoft.com/office/drawing/2010/main" w="9525">
+                <a14:hiddenLine xmlns:a14="http://schemas.microsoft.com/office/drawing/2010/main" xmlns="" w="9525">
                   <a:solidFill>
                     <a:srgbClr val="000000"/>
                   </a:solidFill>
@@ -1526,7 +1526,7 @@
             </a:ln>
             <a:extLst>
               <a:ext uri="{91240B29-F687-4f45-9708-019B960494DF}">
-                <a14:hiddenLine xmlns="" xmlns:a14="http://schemas.microsoft.com/office/drawing/2010/main" w="9525">
+                <a14:hiddenLine xmlns:a14="http://schemas.microsoft.com/office/drawing/2010/main" xmlns="" w="9525">
                   <a:solidFill>
                     <a:srgbClr val="000000"/>
                   </a:solidFill>
@@ -1616,7 +1616,7 @@
             </a:ln>
             <a:extLst>
               <a:ext uri="{91240B29-F687-4f45-9708-019B960494DF}">
-                <a14:hiddenLine xmlns="" xmlns:a14="http://schemas.microsoft.com/office/drawing/2010/main" w="9525">
+                <a14:hiddenLine xmlns:a14="http://schemas.microsoft.com/office/drawing/2010/main" xmlns="" w="9525">
                   <a:solidFill>
                     <a:srgbClr val="000000"/>
                   </a:solidFill>
@@ -1706,7 +1706,7 @@
             </a:ln>
             <a:extLst>
               <a:ext uri="{91240B29-F687-4f45-9708-019B960494DF}">
-                <a14:hiddenLine xmlns="" xmlns:a14="http://schemas.microsoft.com/office/drawing/2010/main" w="9525">
+                <a14:hiddenLine xmlns:a14="http://schemas.microsoft.com/office/drawing/2010/main" xmlns="" w="9525">
                   <a:solidFill>
                     <a:srgbClr val="000000"/>
                   </a:solidFill>
@@ -1762,7 +1762,7 @@
             </a:ln>
             <a:extLst>
               <a:ext uri="{91240B29-F687-4f45-9708-019B960494DF}">
-                <a14:hiddenLine xmlns="" xmlns:a14="http://schemas.microsoft.com/office/drawing/2010/main" w="9525">
+                <a14:hiddenLine xmlns:a14="http://schemas.microsoft.com/office/drawing/2010/main" xmlns="" w="9525">
                   <a:solidFill>
                     <a:srgbClr val="000000"/>
                   </a:solidFill>
@@ -1852,7 +1852,7 @@
             </a:ln>
             <a:extLst>
               <a:ext uri="{91240B29-F687-4f45-9708-019B960494DF}">
-                <a14:hiddenLine xmlns="" xmlns:a14="http://schemas.microsoft.com/office/drawing/2010/main" w="9525">
+                <a14:hiddenLine xmlns:a14="http://schemas.microsoft.com/office/drawing/2010/main" xmlns="" w="9525">
                   <a:solidFill>
                     <a:srgbClr val="000000"/>
                   </a:solidFill>
@@ -1908,7 +1908,7 @@
             </a:ln>
             <a:extLst>
               <a:ext uri="{91240B29-F687-4f45-9708-019B960494DF}">
-                <a14:hiddenLine xmlns="" xmlns:a14="http://schemas.microsoft.com/office/drawing/2010/main" w="9525">
+                <a14:hiddenLine xmlns:a14="http://schemas.microsoft.com/office/drawing/2010/main" xmlns="" w="9525">
                   <a:solidFill>
                     <a:srgbClr val="000000"/>
                   </a:solidFill>
@@ -1998,7 +1998,7 @@
             </a:ln>
             <a:extLst>
               <a:ext uri="{91240B29-F687-4f45-9708-019B960494DF}">
-                <a14:hiddenLine xmlns="" xmlns:a14="http://schemas.microsoft.com/office/drawing/2010/main" w="9525">
+                <a14:hiddenLine xmlns:a14="http://schemas.microsoft.com/office/drawing/2010/main" xmlns="" w="9525">
                   <a:solidFill>
                     <a:srgbClr val="000000"/>
                   </a:solidFill>
@@ -2066,7 +2066,7 @@
             </a:ln>
             <a:extLst>
               <a:ext uri="{91240B29-F687-4f45-9708-019B960494DF}">
-                <a14:hiddenLine xmlns="" xmlns:a14="http://schemas.microsoft.com/office/drawing/2010/main" w="9525">
+                <a14:hiddenLine xmlns:a14="http://schemas.microsoft.com/office/drawing/2010/main" xmlns="" w="9525">
                   <a:solidFill>
                     <a:srgbClr val="000000"/>
                   </a:solidFill>
@@ -2156,7 +2156,7 @@
             </a:ln>
             <a:extLst>
               <a:ext uri="{91240B29-F687-4f45-9708-019B960494DF}">
-                <a14:hiddenLine xmlns="" xmlns:a14="http://schemas.microsoft.com/office/drawing/2010/main" w="9525">
+                <a14:hiddenLine xmlns:a14="http://schemas.microsoft.com/office/drawing/2010/main" xmlns="" w="9525">
                   <a:solidFill>
                     <a:srgbClr val="000000"/>
                   </a:solidFill>
@@ -2224,7 +2224,7 @@
             </a:ln>
             <a:extLst>
               <a:ext uri="{91240B29-F687-4f45-9708-019B960494DF}">
-                <a14:hiddenLine xmlns="" xmlns:a14="http://schemas.microsoft.com/office/drawing/2010/main" w="9525">
+                <a14:hiddenLine xmlns:a14="http://schemas.microsoft.com/office/drawing/2010/main" xmlns="" w="9525">
                   <a:solidFill>
                     <a:srgbClr val="000000"/>
                   </a:solidFill>
@@ -2314,7 +2314,7 @@
             </a:ln>
             <a:extLst>
               <a:ext uri="{91240B29-F687-4f45-9708-019B960494DF}">
-                <a14:hiddenLine xmlns="" xmlns:a14="http://schemas.microsoft.com/office/drawing/2010/main" w="9525">
+                <a14:hiddenLine xmlns:a14="http://schemas.microsoft.com/office/drawing/2010/main" xmlns="" w="9525">
                   <a:solidFill>
                     <a:srgbClr val="000000"/>
                   </a:solidFill>
@@ -2348,7 +2348,7 @@
             </a:ln>
             <a:extLst>
               <a:ext uri="{91240B29-F687-4f45-9708-019B960494DF}">
-                <a14:hiddenLine xmlns="" xmlns:a14="http://schemas.microsoft.com/office/drawing/2010/main" w="9525">
+                <a14:hiddenLine xmlns:a14="http://schemas.microsoft.com/office/drawing/2010/main" xmlns="" w="9525">
                   <a:solidFill>
                     <a:srgbClr val="000000"/>
                   </a:solidFill>
@@ -2438,7 +2438,7 @@
             </a:ln>
             <a:extLst>
               <a:ext uri="{91240B29-F687-4f45-9708-019B960494DF}">
-                <a14:hiddenLine xmlns="" xmlns:a14="http://schemas.microsoft.com/office/drawing/2010/main" w="9525">
+                <a14:hiddenLine xmlns:a14="http://schemas.microsoft.com/office/drawing/2010/main" xmlns="" w="9525">
                   <a:solidFill>
                     <a:srgbClr val="000000"/>
                   </a:solidFill>
@@ -2500,7 +2500,7 @@
             </a:ln>
             <a:extLst>
               <a:ext uri="{91240B29-F687-4f45-9708-019B960494DF}">
-                <a14:hiddenLine xmlns="" xmlns:a14="http://schemas.microsoft.com/office/drawing/2010/main" w="9525">
+                <a14:hiddenLine xmlns:a14="http://schemas.microsoft.com/office/drawing/2010/main" xmlns="" w="9525">
                   <a:solidFill>
                     <a:srgbClr val="000000"/>
                   </a:solidFill>
@@ -2562,7 +2562,7 @@
             </a:ln>
             <a:extLst>
               <a:ext uri="{91240B29-F687-4f45-9708-019B960494DF}">
-                <a14:hiddenLine xmlns="" xmlns:a14="http://schemas.microsoft.com/office/drawing/2010/main" w="9525">
+                <a14:hiddenLine xmlns:a14="http://schemas.microsoft.com/office/drawing/2010/main" xmlns="" w="9525">
                   <a:solidFill>
                     <a:srgbClr val="000000"/>
                   </a:solidFill>
@@ -2652,7 +2652,7 @@
             </a:ln>
             <a:extLst>
               <a:ext uri="{91240B29-F687-4f45-9708-019B960494DF}">
-                <a14:hiddenLine xmlns="" xmlns:a14="http://schemas.microsoft.com/office/drawing/2010/main" w="9525">
+                <a14:hiddenLine xmlns:a14="http://schemas.microsoft.com/office/drawing/2010/main" xmlns="" w="9525">
                   <a:solidFill>
                     <a:srgbClr val="000000"/>
                   </a:solidFill>
@@ -2720,7 +2720,7 @@
             </a:ln>
             <a:extLst>
               <a:ext uri="{91240B29-F687-4f45-9708-019B960494DF}">
-                <a14:hiddenLine xmlns="" xmlns:a14="http://schemas.microsoft.com/office/drawing/2010/main" w="9525">
+                <a14:hiddenLine xmlns:a14="http://schemas.microsoft.com/office/drawing/2010/main" xmlns="" w="9525">
                   <a:solidFill>
                     <a:srgbClr val="000000"/>
                   </a:solidFill>
@@ -2782,7 +2782,7 @@
             </a:ln>
             <a:extLst>
               <a:ext uri="{91240B29-F687-4f45-9708-019B960494DF}">
-                <a14:hiddenLine xmlns="" xmlns:a14="http://schemas.microsoft.com/office/drawing/2010/main" w="9525">
+                <a14:hiddenLine xmlns:a14="http://schemas.microsoft.com/office/drawing/2010/main" xmlns="" w="9525">
                   <a:solidFill>
                     <a:srgbClr val="000000"/>
                   </a:solidFill>
@@ -2872,7 +2872,7 @@
             </a:ln>
             <a:extLst>
               <a:ext uri="{91240B29-F687-4f45-9708-019B960494DF}">
-                <a14:hiddenLine xmlns="" xmlns:a14="http://schemas.microsoft.com/office/drawing/2010/main" w="9525">
+                <a14:hiddenLine xmlns:a14="http://schemas.microsoft.com/office/drawing/2010/main" xmlns="" w="9525">
                   <a:solidFill>
                     <a:srgbClr val="000000"/>
                   </a:solidFill>
@@ -2934,7 +2934,7 @@
             </a:ln>
             <a:extLst>
               <a:ext uri="{91240B29-F687-4f45-9708-019B960494DF}">
-                <a14:hiddenLine xmlns="" xmlns:a14="http://schemas.microsoft.com/office/drawing/2010/main" w="9525">
+                <a14:hiddenLine xmlns:a14="http://schemas.microsoft.com/office/drawing/2010/main" xmlns="" w="9525">
                   <a:solidFill>
                     <a:srgbClr val="000000"/>
                   </a:solidFill>
@@ -3024,7 +3024,7 @@
             </a:ln>
             <a:extLst>
               <a:ext uri="{91240B29-F687-4f45-9708-019B960494DF}">
-                <a14:hiddenLine xmlns="" xmlns:a14="http://schemas.microsoft.com/office/drawing/2010/main" w="9525">
+                <a14:hiddenLine xmlns:a14="http://schemas.microsoft.com/office/drawing/2010/main" xmlns="" w="9525">
                   <a:solidFill>
                     <a:srgbClr val="000000"/>
                   </a:solidFill>
@@ -3086,7 +3086,7 @@
             </a:ln>
             <a:extLst>
               <a:ext uri="{91240B29-F687-4f45-9708-019B960494DF}">
-                <a14:hiddenLine xmlns="" xmlns:a14="http://schemas.microsoft.com/office/drawing/2010/main" w="9525">
+                <a14:hiddenLine xmlns:a14="http://schemas.microsoft.com/office/drawing/2010/main" xmlns="" w="9525">
                   <a:solidFill>
                     <a:srgbClr val="000000"/>
                   </a:solidFill>
@@ -3176,7 +3176,7 @@
             </a:ln>
             <a:extLst>
               <a:ext uri="{91240B29-F687-4f45-9708-019B960494DF}">
-                <a14:hiddenLine xmlns="" xmlns:a14="http://schemas.microsoft.com/office/drawing/2010/main" w="9525">
+                <a14:hiddenLine xmlns:a14="http://schemas.microsoft.com/office/drawing/2010/main" xmlns="" w="9525">
                   <a:solidFill>
                     <a:srgbClr val="000000"/>
                   </a:solidFill>
@@ -3210,7 +3210,7 @@
             </a:ln>
             <a:extLst>
               <a:ext uri="{91240B29-F687-4f45-9708-019B960494DF}">
-                <a14:hiddenLine xmlns="" xmlns:a14="http://schemas.microsoft.com/office/drawing/2010/main" w="9525">
+                <a14:hiddenLine xmlns:a14="http://schemas.microsoft.com/office/drawing/2010/main" xmlns="" w="9525">
                   <a:solidFill>
                     <a:srgbClr val="000000"/>
                   </a:solidFill>
@@ -3275,7 +3275,7 @@
             </a:ln>
             <a:extLst>
               <a:ext uri="{91240B29-F687-4f45-9708-019B960494DF}">
-                <a14:hiddenLine xmlns="" xmlns:a14="http://schemas.microsoft.com/office/drawing/2010/main" w="9525">
+                <a14:hiddenLine xmlns:a14="http://schemas.microsoft.com/office/drawing/2010/main" xmlns="" w="9525">
                   <a:solidFill>
                     <a:srgbClr val="000000"/>
                   </a:solidFill>
@@ -3365,7 +3365,7 @@
             </a:ln>
             <a:extLst>
               <a:ext uri="{91240B29-F687-4f45-9708-019B960494DF}">
-                <a14:hiddenLine xmlns="" xmlns:a14="http://schemas.microsoft.com/office/drawing/2010/main" w="9525">
+                <a14:hiddenLine xmlns:a14="http://schemas.microsoft.com/office/drawing/2010/main" xmlns="" w="9525">
                   <a:solidFill>
                     <a:srgbClr val="000000"/>
                   </a:solidFill>
@@ -3427,7 +3427,7 @@
             </a:ln>
             <a:extLst>
               <a:ext uri="{91240B29-F687-4f45-9708-019B960494DF}">
-                <a14:hiddenLine xmlns="" xmlns:a14="http://schemas.microsoft.com/office/drawing/2010/main" w="9525">
+                <a14:hiddenLine xmlns:a14="http://schemas.microsoft.com/office/drawing/2010/main" xmlns="" w="9525">
                   <a:solidFill>
                     <a:srgbClr val="000000"/>
                   </a:solidFill>
@@ -3517,7 +3517,7 @@
             </a:ln>
             <a:extLst>
               <a:ext uri="{91240B29-F687-4f45-9708-019B960494DF}">
-                <a14:hiddenLine xmlns="" xmlns:a14="http://schemas.microsoft.com/office/drawing/2010/main" w="9525">
+                <a14:hiddenLine xmlns:a14="http://schemas.microsoft.com/office/drawing/2010/main" xmlns="" w="9525">
                   <a:solidFill>
                     <a:srgbClr val="000000"/>
                   </a:solidFill>
@@ -3607,7 +3607,7 @@
             </a:ln>
             <a:extLst>
               <a:ext uri="{91240B29-F687-4f45-9708-019B960494DF}">
-                <a14:hiddenLine xmlns="" xmlns:a14="http://schemas.microsoft.com/office/drawing/2010/main" w="9525">
+                <a14:hiddenLine xmlns:a14="http://schemas.microsoft.com/office/drawing/2010/main" xmlns="" w="9525">
                   <a:solidFill>
                     <a:srgbClr val="000000"/>
                   </a:solidFill>
@@ -3672,7 +3672,7 @@
             </a:ln>
             <a:extLst>
               <a:ext uri="{91240B29-F687-4f45-9708-019B960494DF}">
-                <a14:hiddenLine xmlns="" xmlns:a14="http://schemas.microsoft.com/office/drawing/2010/main" w="9525">
+                <a14:hiddenLine xmlns:a14="http://schemas.microsoft.com/office/drawing/2010/main" xmlns="" w="9525">
                   <a:solidFill>
                     <a:srgbClr val="000000"/>
                   </a:solidFill>
@@ -3734,7 +3734,7 @@
             </a:ln>
             <a:extLst>
               <a:ext uri="{91240B29-F687-4f45-9708-019B960494DF}">
-                <a14:hiddenLine xmlns="" xmlns:a14="http://schemas.microsoft.com/office/drawing/2010/main" w="9525">
+                <a14:hiddenLine xmlns:a14="http://schemas.microsoft.com/office/drawing/2010/main" xmlns="" w="9525">
                   <a:solidFill>
                     <a:srgbClr val="000000"/>
                   </a:solidFill>
@@ -3824,7 +3824,7 @@
             </a:ln>
             <a:extLst>
               <a:ext uri="{91240B29-F687-4f45-9708-019B960494DF}">
-                <a14:hiddenLine xmlns="" xmlns:a14="http://schemas.microsoft.com/office/drawing/2010/main" w="9525">
+                <a14:hiddenLine xmlns:a14="http://schemas.microsoft.com/office/drawing/2010/main" xmlns="" w="9525">
                   <a:solidFill>
                     <a:srgbClr val="000000"/>
                   </a:solidFill>
@@ -3914,7 +3914,7 @@
             </a:ln>
             <a:extLst>
               <a:ext uri="{91240B29-F687-4f45-9708-019B960494DF}">
-                <a14:hiddenLine xmlns="" xmlns:a14="http://schemas.microsoft.com/office/drawing/2010/main" w="9525">
+                <a14:hiddenLine xmlns:a14="http://schemas.microsoft.com/office/drawing/2010/main" xmlns="" w="9525">
                   <a:solidFill>
                     <a:srgbClr val="000000"/>
                   </a:solidFill>
@@ -3976,7 +3976,7 @@
             </a:ln>
             <a:extLst>
               <a:ext uri="{91240B29-F687-4f45-9708-019B960494DF}">
-                <a14:hiddenLine xmlns="" xmlns:a14="http://schemas.microsoft.com/office/drawing/2010/main" w="9525">
+                <a14:hiddenLine xmlns:a14="http://schemas.microsoft.com/office/drawing/2010/main" xmlns="" w="9525">
                   <a:solidFill>
                     <a:srgbClr val="000000"/>
                   </a:solidFill>
@@ -4096,7 +4096,7 @@
             </a:ln>
             <a:extLst>
               <a:ext uri="{91240B29-F687-4f45-9708-019B960494DF}">
-                <a14:hiddenLine xmlns="" xmlns:a14="http://schemas.microsoft.com/office/drawing/2010/main" w="9525">
+                <a14:hiddenLine xmlns:a14="http://schemas.microsoft.com/office/drawing/2010/main" xmlns="" w="9525">
                   <a:solidFill>
                     <a:srgbClr val="000000"/>
                   </a:solidFill>
@@ -4164,7 +4164,7 @@
             </a:ln>
             <a:extLst>
               <a:ext uri="{91240B29-F687-4f45-9708-019B960494DF}">
-                <a14:hiddenLine xmlns="" xmlns:a14="http://schemas.microsoft.com/office/drawing/2010/main" w="9525">
+                <a14:hiddenLine xmlns:a14="http://schemas.microsoft.com/office/drawing/2010/main" xmlns="" w="9525">
                   <a:solidFill>
                     <a:srgbClr val="000000"/>
                   </a:solidFill>
@@ -4254,7 +4254,7 @@
             </a:ln>
             <a:extLst>
               <a:ext uri="{91240B29-F687-4f45-9708-019B960494DF}">
-                <a14:hiddenLine xmlns="" xmlns:a14="http://schemas.microsoft.com/office/drawing/2010/main" w="9525">
+                <a14:hiddenLine xmlns:a14="http://schemas.microsoft.com/office/drawing/2010/main" xmlns="" w="9525">
                   <a:solidFill>
                     <a:srgbClr val="000000"/>
                   </a:solidFill>
@@ -8976,7 +8976,7 @@
           <a:noFill/>
           <a:extLst>
             <a:ext uri="{909E8E84-426E-40dd-AFC4-6F175D3DCCD1}">
-              <a14:hiddenFill xmlns="" xmlns:a14="http://schemas.microsoft.com/office/drawing/2010/main">
+              <a14:hiddenFill xmlns:a14="http://schemas.microsoft.com/office/drawing/2010/main" xmlns="">
                 <a:solidFill>
                   <a:srgbClr val="FFFFFF"/>
                 </a:solidFill>
@@ -9050,7 +9050,7 @@
               </a:ln>
               <a:extLst>
                 <a:ext uri="{91240B29-F687-4f45-9708-019B960494DF}">
-                  <a14:hiddenLine xmlns="" xmlns:a14="http://schemas.microsoft.com/office/drawing/2010/main" w="9525">
+                  <a14:hiddenLine xmlns:a14="http://schemas.microsoft.com/office/drawing/2010/main" xmlns="" w="9525">
                     <a:solidFill>
                       <a:srgbClr val="000000"/>
                     </a:solidFill>
@@ -9140,7 +9140,7 @@
               </a:ln>
               <a:extLst>
                 <a:ext uri="{91240B29-F687-4f45-9708-019B960494DF}">
-                  <a14:hiddenLine xmlns="" xmlns:a14="http://schemas.microsoft.com/office/drawing/2010/main" w="9525">
+                  <a14:hiddenLine xmlns:a14="http://schemas.microsoft.com/office/drawing/2010/main" xmlns="" w="9525">
                     <a:solidFill>
                       <a:srgbClr val="000000"/>
                     </a:solidFill>
@@ -9230,7 +9230,7 @@
               </a:ln>
               <a:extLst>
                 <a:ext uri="{91240B29-F687-4f45-9708-019B960494DF}">
-                  <a14:hiddenLine xmlns="" xmlns:a14="http://schemas.microsoft.com/office/drawing/2010/main" w="9525">
+                  <a14:hiddenLine xmlns:a14="http://schemas.microsoft.com/office/drawing/2010/main" xmlns="" w="9525">
                     <a:solidFill>
                       <a:srgbClr val="000000"/>
                     </a:solidFill>
@@ -9292,7 +9292,7 @@
               </a:ln>
               <a:extLst>
                 <a:ext uri="{91240B29-F687-4f45-9708-019B960494DF}">
-                  <a14:hiddenLine xmlns="" xmlns:a14="http://schemas.microsoft.com/office/drawing/2010/main" w="9525">
+                  <a14:hiddenLine xmlns:a14="http://schemas.microsoft.com/office/drawing/2010/main" xmlns="" w="9525">
                     <a:solidFill>
                       <a:srgbClr val="000000"/>
                     </a:solidFill>
@@ -9382,7 +9382,7 @@
               </a:ln>
               <a:extLst>
                 <a:ext uri="{91240B29-F687-4f45-9708-019B960494DF}">
-                  <a14:hiddenLine xmlns="" xmlns:a14="http://schemas.microsoft.com/office/drawing/2010/main" w="9525">
+                  <a14:hiddenLine xmlns:a14="http://schemas.microsoft.com/office/drawing/2010/main" xmlns="" w="9525">
                     <a:solidFill>
                       <a:srgbClr val="000000"/>
                     </a:solidFill>
@@ -9444,7 +9444,7 @@
               </a:ln>
               <a:extLst>
                 <a:ext uri="{91240B29-F687-4f45-9708-019B960494DF}">
-                  <a14:hiddenLine xmlns="" xmlns:a14="http://schemas.microsoft.com/office/drawing/2010/main" w="9525">
+                  <a14:hiddenLine xmlns:a14="http://schemas.microsoft.com/office/drawing/2010/main" xmlns="" w="9525">
                     <a:solidFill>
                       <a:srgbClr val="000000"/>
                     </a:solidFill>
@@ -9506,7 +9506,7 @@
               </a:ln>
               <a:extLst>
                 <a:ext uri="{91240B29-F687-4f45-9708-019B960494DF}">
-                  <a14:hiddenLine xmlns="" xmlns:a14="http://schemas.microsoft.com/office/drawing/2010/main" w="9525">
+                  <a14:hiddenLine xmlns:a14="http://schemas.microsoft.com/office/drawing/2010/main" xmlns="" w="9525">
                     <a:solidFill>
                       <a:srgbClr val="000000"/>
                     </a:solidFill>
@@ -9596,7 +9596,7 @@
               </a:ln>
               <a:extLst>
                 <a:ext uri="{91240B29-F687-4f45-9708-019B960494DF}">
-                  <a14:hiddenLine xmlns="" xmlns:a14="http://schemas.microsoft.com/office/drawing/2010/main" w="9525">
+                  <a14:hiddenLine xmlns:a14="http://schemas.microsoft.com/office/drawing/2010/main" xmlns="" w="9525">
                     <a:solidFill>
                       <a:srgbClr val="000000"/>
                     </a:solidFill>
@@ -9686,7 +9686,7 @@
               </a:ln>
               <a:extLst>
                 <a:ext uri="{91240B29-F687-4f45-9708-019B960494DF}">
-                  <a14:hiddenLine xmlns="" xmlns:a14="http://schemas.microsoft.com/office/drawing/2010/main" w="9525">
+                  <a14:hiddenLine xmlns:a14="http://schemas.microsoft.com/office/drawing/2010/main" xmlns="" w="9525">
                     <a:solidFill>
                       <a:srgbClr val="000000"/>
                     </a:solidFill>
@@ -9748,7 +9748,7 @@
               </a:ln>
               <a:extLst>
                 <a:ext uri="{91240B29-F687-4f45-9708-019B960494DF}">
-                  <a14:hiddenLine xmlns="" xmlns:a14="http://schemas.microsoft.com/office/drawing/2010/main" w="9525">
+                  <a14:hiddenLine xmlns:a14="http://schemas.microsoft.com/office/drawing/2010/main" xmlns="" w="9525">
                     <a:solidFill>
                       <a:srgbClr val="000000"/>
                     </a:solidFill>
@@ -9858,7 +9858,7 @@
               </a:ln>
               <a:extLst>
                 <a:ext uri="{91240B29-F687-4f45-9708-019B960494DF}">
-                  <a14:hiddenLine xmlns="" xmlns:a14="http://schemas.microsoft.com/office/drawing/2010/main" w="9525">
+                  <a14:hiddenLine xmlns:a14="http://schemas.microsoft.com/office/drawing/2010/main" xmlns="" w="9525">
                     <a:solidFill>
                       <a:srgbClr val="000000"/>
                     </a:solidFill>
@@ -9942,7 +9942,7 @@
               </a:ln>
               <a:extLst>
                 <a:ext uri="{91240B29-F687-4f45-9708-019B960494DF}">
-                  <a14:hiddenLine xmlns="" xmlns:a14="http://schemas.microsoft.com/office/drawing/2010/main" w="9525">
+                  <a14:hiddenLine xmlns:a14="http://schemas.microsoft.com/office/drawing/2010/main" xmlns="" w="9525">
                     <a:solidFill>
                       <a:srgbClr val="000000"/>
                     </a:solidFill>
@@ -10004,7 +10004,7 @@
               </a:ln>
               <a:extLst>
                 <a:ext uri="{91240B29-F687-4f45-9708-019B960494DF}">
-                  <a14:hiddenLine xmlns="" xmlns:a14="http://schemas.microsoft.com/office/drawing/2010/main" w="9525">
+                  <a14:hiddenLine xmlns:a14="http://schemas.microsoft.com/office/drawing/2010/main" xmlns="" w="9525">
                     <a:solidFill>
                       <a:srgbClr val="000000"/>
                     </a:solidFill>
@@ -10066,7 +10066,7 @@
               </a:ln>
               <a:extLst>
                 <a:ext uri="{91240B29-F687-4f45-9708-019B960494DF}">
-                  <a14:hiddenLine xmlns="" xmlns:a14="http://schemas.microsoft.com/office/drawing/2010/main" w="9525">
+                  <a14:hiddenLine xmlns:a14="http://schemas.microsoft.com/office/drawing/2010/main" xmlns="" w="9525">
                     <a:solidFill>
                       <a:srgbClr val="000000"/>
                     </a:solidFill>
@@ -10156,7 +10156,7 @@
               </a:ln>
               <a:extLst>
                 <a:ext uri="{91240B29-F687-4f45-9708-019B960494DF}">
-                  <a14:hiddenLine xmlns="" xmlns:a14="http://schemas.microsoft.com/office/drawing/2010/main" w="9525">
+                  <a14:hiddenLine xmlns:a14="http://schemas.microsoft.com/office/drawing/2010/main" xmlns="" w="9525">
                     <a:solidFill>
                       <a:srgbClr val="000000"/>
                     </a:solidFill>
@@ -10190,7 +10190,7 @@
               </a:ln>
               <a:extLst>
                 <a:ext uri="{91240B29-F687-4f45-9708-019B960494DF}">
-                  <a14:hiddenLine xmlns="" xmlns:a14="http://schemas.microsoft.com/office/drawing/2010/main" w="9525">
+                  <a14:hiddenLine xmlns:a14="http://schemas.microsoft.com/office/drawing/2010/main" xmlns="" w="9525">
                     <a:solidFill>
                       <a:srgbClr val="000000"/>
                     </a:solidFill>
@@ -10255,7 +10255,7 @@
               </a:ln>
               <a:extLst>
                 <a:ext uri="{91240B29-F687-4f45-9708-019B960494DF}">
-                  <a14:hiddenLine xmlns="" xmlns:a14="http://schemas.microsoft.com/office/drawing/2010/main" w="9525">
+                  <a14:hiddenLine xmlns:a14="http://schemas.microsoft.com/office/drawing/2010/main" xmlns="" w="9525">
                     <a:solidFill>
                       <a:srgbClr val="000000"/>
                     </a:solidFill>
@@ -10345,7 +10345,7 @@
               </a:ln>
               <a:extLst>
                 <a:ext uri="{91240B29-F687-4f45-9708-019B960494DF}">
-                  <a14:hiddenLine xmlns="" xmlns:a14="http://schemas.microsoft.com/office/drawing/2010/main" w="9525">
+                  <a14:hiddenLine xmlns:a14="http://schemas.microsoft.com/office/drawing/2010/main" xmlns="" w="9525">
                     <a:solidFill>
                       <a:srgbClr val="000000"/>
                     </a:solidFill>
@@ -10407,7 +10407,7 @@
               </a:ln>
               <a:extLst>
                 <a:ext uri="{91240B29-F687-4f45-9708-019B960494DF}">
-                  <a14:hiddenLine xmlns="" xmlns:a14="http://schemas.microsoft.com/office/drawing/2010/main" w="9525">
+                  <a14:hiddenLine xmlns:a14="http://schemas.microsoft.com/office/drawing/2010/main" xmlns="" w="9525">
                     <a:solidFill>
                       <a:srgbClr val="000000"/>
                     </a:solidFill>
@@ -10497,7 +10497,7 @@
               </a:ln>
               <a:extLst>
                 <a:ext uri="{91240B29-F687-4f45-9708-019B960494DF}">
-                  <a14:hiddenLine xmlns="" xmlns:a14="http://schemas.microsoft.com/office/drawing/2010/main" w="9525">
+                  <a14:hiddenLine xmlns:a14="http://schemas.microsoft.com/office/drawing/2010/main" xmlns="" w="9525">
                     <a:solidFill>
                       <a:srgbClr val="000000"/>
                     </a:solidFill>
@@ -10562,7 +10562,7 @@
               </a:ln>
               <a:extLst>
                 <a:ext uri="{91240B29-F687-4f45-9708-019B960494DF}">
-                  <a14:hiddenLine xmlns="" xmlns:a14="http://schemas.microsoft.com/office/drawing/2010/main" w="9525">
+                  <a14:hiddenLine xmlns:a14="http://schemas.microsoft.com/office/drawing/2010/main" xmlns="" w="9525">
                     <a:solidFill>
                       <a:srgbClr val="000000"/>
                     </a:solidFill>
@@ -10624,7 +10624,7 @@
               </a:ln>
               <a:extLst>
                 <a:ext uri="{91240B29-F687-4f45-9708-019B960494DF}">
-                  <a14:hiddenLine xmlns="" xmlns:a14="http://schemas.microsoft.com/office/drawing/2010/main" w="9525">
+                  <a14:hiddenLine xmlns:a14="http://schemas.microsoft.com/office/drawing/2010/main" xmlns="" w="9525">
                     <a:solidFill>
                       <a:srgbClr val="000000"/>
                     </a:solidFill>
@@ -10714,7 +10714,7 @@
               </a:ln>
               <a:extLst>
                 <a:ext uri="{91240B29-F687-4f45-9708-019B960494DF}">
-                  <a14:hiddenLine xmlns="" xmlns:a14="http://schemas.microsoft.com/office/drawing/2010/main" w="9525">
+                  <a14:hiddenLine xmlns:a14="http://schemas.microsoft.com/office/drawing/2010/main" xmlns="" w="9525">
                     <a:solidFill>
                       <a:srgbClr val="000000"/>
                     </a:solidFill>
@@ -10804,7 +10804,7 @@
               </a:ln>
               <a:extLst>
                 <a:ext uri="{91240B29-F687-4f45-9708-019B960494DF}">
-                  <a14:hiddenLine xmlns="" xmlns:a14="http://schemas.microsoft.com/office/drawing/2010/main" w="9525">
+                  <a14:hiddenLine xmlns:a14="http://schemas.microsoft.com/office/drawing/2010/main" xmlns="" w="9525">
                     <a:solidFill>
                       <a:srgbClr val="000000"/>
                     </a:solidFill>
@@ -10869,7 +10869,7 @@
               </a:ln>
               <a:extLst>
                 <a:ext uri="{91240B29-F687-4f45-9708-019B960494DF}">
-                  <a14:hiddenLine xmlns="" xmlns:a14="http://schemas.microsoft.com/office/drawing/2010/main" w="9525">
+                  <a14:hiddenLine xmlns:a14="http://schemas.microsoft.com/office/drawing/2010/main" xmlns="" w="9525">
                     <a:solidFill>
                       <a:srgbClr val="000000"/>
                     </a:solidFill>
@@ -10989,7 +10989,7 @@
               </a:ln>
               <a:extLst>
                 <a:ext uri="{91240B29-F687-4f45-9708-019B960494DF}">
-                  <a14:hiddenLine xmlns="" xmlns:a14="http://schemas.microsoft.com/office/drawing/2010/main" w="9525">
+                  <a14:hiddenLine xmlns:a14="http://schemas.microsoft.com/office/drawing/2010/main" xmlns="" w="9525">
                     <a:solidFill>
                       <a:srgbClr val="000000"/>
                     </a:solidFill>
@@ -11087,7 +11087,7 @@
               </a:ln>
               <a:extLst>
                 <a:ext uri="{91240B29-F687-4f45-9708-019B960494DF}">
-                  <a14:hiddenLine xmlns="" xmlns:a14="http://schemas.microsoft.com/office/drawing/2010/main" w="9525">
+                  <a14:hiddenLine xmlns:a14="http://schemas.microsoft.com/office/drawing/2010/main" xmlns="" w="9525">
                     <a:solidFill>
                       <a:srgbClr val="000000"/>
                     </a:solidFill>
@@ -11202,7 +11202,7 @@
               </a:ln>
               <a:extLst>
                 <a:ext uri="{91240B29-F687-4f45-9708-019B960494DF}">
-                  <a14:hiddenLine xmlns="" xmlns:a14="http://schemas.microsoft.com/office/drawing/2010/main" w="9525">
+                  <a14:hiddenLine xmlns:a14="http://schemas.microsoft.com/office/drawing/2010/main" xmlns="" w="9525">
                     <a:solidFill>
                       <a:srgbClr val="000000"/>
                     </a:solidFill>
@@ -11292,7 +11292,7 @@
               </a:ln>
               <a:extLst>
                 <a:ext uri="{91240B29-F687-4f45-9708-019B960494DF}">
-                  <a14:hiddenLine xmlns="" xmlns:a14="http://schemas.microsoft.com/office/drawing/2010/main" w="9525">
+                  <a14:hiddenLine xmlns:a14="http://schemas.microsoft.com/office/drawing/2010/main" xmlns="" w="9525">
                     <a:solidFill>
                       <a:srgbClr val="000000"/>
                     </a:solidFill>
@@ -11357,7 +11357,7 @@
               </a:ln>
               <a:extLst>
                 <a:ext uri="{91240B29-F687-4f45-9708-019B960494DF}">
-                  <a14:hiddenLine xmlns="" xmlns:a14="http://schemas.microsoft.com/office/drawing/2010/main" w="9525">
+                  <a14:hiddenLine xmlns:a14="http://schemas.microsoft.com/office/drawing/2010/main" xmlns="" w="9525">
                     <a:solidFill>
                       <a:srgbClr val="000000"/>
                     </a:solidFill>
@@ -11447,7 +11447,7 @@
               </a:ln>
               <a:extLst>
                 <a:ext uri="{91240B29-F687-4f45-9708-019B960494DF}">
-                  <a14:hiddenLine xmlns="" xmlns:a14="http://schemas.microsoft.com/office/drawing/2010/main" w="9525">
+                  <a14:hiddenLine xmlns:a14="http://schemas.microsoft.com/office/drawing/2010/main" xmlns="" w="9525">
                     <a:solidFill>
                       <a:srgbClr val="000000"/>
                     </a:solidFill>
@@ -11515,7 +11515,7 @@
               </a:ln>
               <a:extLst>
                 <a:ext uri="{91240B29-F687-4f45-9708-019B960494DF}">
-                  <a14:hiddenLine xmlns="" xmlns:a14="http://schemas.microsoft.com/office/drawing/2010/main" w="9525">
+                  <a14:hiddenLine xmlns:a14="http://schemas.microsoft.com/office/drawing/2010/main" xmlns="" w="9525">
                     <a:solidFill>
                       <a:srgbClr val="000000"/>
                     </a:solidFill>
@@ -11605,7 +11605,7 @@
               </a:ln>
               <a:extLst>
                 <a:ext uri="{91240B29-F687-4f45-9708-019B960494DF}">
-                  <a14:hiddenLine xmlns="" xmlns:a14="http://schemas.microsoft.com/office/drawing/2010/main" w="9525">
+                  <a14:hiddenLine xmlns:a14="http://schemas.microsoft.com/office/drawing/2010/main" xmlns="" w="9525">
                     <a:solidFill>
                       <a:srgbClr val="000000"/>
                     </a:solidFill>
@@ -11673,7 +11673,7 @@
               </a:ln>
               <a:extLst>
                 <a:ext uri="{91240B29-F687-4f45-9708-019B960494DF}">
-                  <a14:hiddenLine xmlns="" xmlns:a14="http://schemas.microsoft.com/office/drawing/2010/main" w="9525">
+                  <a14:hiddenLine xmlns:a14="http://schemas.microsoft.com/office/drawing/2010/main" xmlns="" w="9525">
                     <a:solidFill>
                       <a:srgbClr val="000000"/>
                     </a:solidFill>
@@ -11763,7 +11763,7 @@
               </a:ln>
               <a:extLst>
                 <a:ext uri="{91240B29-F687-4f45-9708-019B960494DF}">
-                  <a14:hiddenLine xmlns="" xmlns:a14="http://schemas.microsoft.com/office/drawing/2010/main" w="9525">
+                  <a14:hiddenLine xmlns:a14="http://schemas.microsoft.com/office/drawing/2010/main" xmlns="" w="9525">
                     <a:solidFill>
                       <a:srgbClr val="000000"/>
                     </a:solidFill>
@@ -11797,7 +11797,7 @@
               </a:ln>
               <a:extLst>
                 <a:ext uri="{91240B29-F687-4f45-9708-019B960494DF}">
-                  <a14:hiddenLine xmlns="" xmlns:a14="http://schemas.microsoft.com/office/drawing/2010/main" w="9525">
+                  <a14:hiddenLine xmlns:a14="http://schemas.microsoft.com/office/drawing/2010/main" xmlns="" w="9525">
                     <a:solidFill>
                       <a:srgbClr val="000000"/>
                     </a:solidFill>
@@ -12544,7 +12544,9 @@
           </a:xfrm>
         </p:spPr>
         <p:txBody>
-          <a:bodyPr/>
+          <a:bodyPr>
+            <a:normAutofit fontScale="92500" lnSpcReduction="10000"/>
+          </a:bodyPr>
           <a:lstStyle/>
           <a:p>
             <a:r>
@@ -12643,7 +12645,38 @@
               <a:rPr lang="fr-FR" sz="2800" dirty="0">
                 <a:hlinkClick r:id="rId2"/>
               </a:rPr>
-              <a:t>https://www.wendys.com/</a:t>
+              <a:t>https://www.wendys.com</a:t>
+            </a:r>
+            <a:r>
+              <a:rPr lang="fr-FR" sz="2800" dirty="0" smtClean="0">
+                <a:hlinkClick r:id="rId2"/>
+              </a:rPr>
+              <a:t>/</a:t>
+            </a:r>
+            <a:endParaRPr lang="fr-FR" sz="2800" dirty="0" smtClean="0"/>
+          </a:p>
+          <a:p>
+            <a:r>
+              <a:rPr lang="fr-FR" dirty="0"/>
+              <a:t>Lien </a:t>
+            </a:r>
+            <a:r>
+              <a:rPr lang="fr-FR" dirty="0" err="1"/>
+              <a:t>Github</a:t>
+            </a:r>
+            <a:r>
+              <a:rPr lang="fr-FR" dirty="0"/>
+              <a:t> du </a:t>
+            </a:r>
+            <a:r>
+              <a:rPr lang="fr-FR" dirty="0" smtClean="0"/>
+              <a:t>repo du projet : </a:t>
+            </a:r>
+            <a:r>
+              <a:rPr lang="fr-FR" sz="2800" dirty="0">
+                <a:hlinkClick r:id="rId3"/>
+              </a:rPr>
+              <a:t>https://github.com/ossallaoui/Maquettage-d-un-siteweb-pour-une-cha-ne-de-restaurants</a:t>
             </a:r>
             <a:endParaRPr lang="fr-FR" sz="2800" dirty="0" smtClean="0"/>
           </a:p>

--- a/Raport de projet/Le site web/WENDy’s.pptx
+++ b/Raport de projet/Le site web/WENDy’s.pptx
@@ -168,7 +168,7 @@
           <a:noFill/>
           <a:extLst>
             <a:ext uri="{909E8E84-426E-40dd-AFC4-6F175D3DCCD1}">
-              <a14:hiddenFill xmlns:a14="http://schemas.microsoft.com/office/drawing/2010/main" xmlns="">
+              <a14:hiddenFill xmlns="" xmlns:a14="http://schemas.microsoft.com/office/drawing/2010/main">
                 <a:solidFill>
                   <a:srgbClr val="FFFFFF"/>
                 </a:solidFill>
@@ -228,7 +228,7 @@
             </a:ln>
             <a:extLst>
               <a:ext uri="{91240B29-F687-4f45-9708-019B960494DF}">
-                <a14:hiddenLine xmlns:a14="http://schemas.microsoft.com/office/drawing/2010/main" xmlns="" w="9525">
+                <a14:hiddenLine xmlns="" xmlns:a14="http://schemas.microsoft.com/office/drawing/2010/main" w="9525">
                   <a:solidFill>
                     <a:srgbClr val="000000"/>
                   </a:solidFill>
@@ -318,7 +318,7 @@
             </a:ln>
             <a:extLst>
               <a:ext uri="{91240B29-F687-4f45-9708-019B960494DF}">
-                <a14:hiddenLine xmlns:a14="http://schemas.microsoft.com/office/drawing/2010/main" xmlns="" w="9525">
+                <a14:hiddenLine xmlns="" xmlns:a14="http://schemas.microsoft.com/office/drawing/2010/main" w="9525">
                   <a:solidFill>
                     <a:srgbClr val="000000"/>
                   </a:solidFill>
@@ -408,7 +408,7 @@
             </a:ln>
             <a:extLst>
               <a:ext uri="{91240B29-F687-4f45-9708-019B960494DF}">
-                <a14:hiddenLine xmlns:a14="http://schemas.microsoft.com/office/drawing/2010/main" xmlns="" w="9525">
+                <a14:hiddenLine xmlns="" xmlns:a14="http://schemas.microsoft.com/office/drawing/2010/main" w="9525">
                   <a:solidFill>
                     <a:srgbClr val="000000"/>
                   </a:solidFill>
@@ -442,7 +442,7 @@
             </a:ln>
             <a:extLst>
               <a:ext uri="{91240B29-F687-4f45-9708-019B960494DF}">
-                <a14:hiddenLine xmlns:a14="http://schemas.microsoft.com/office/drawing/2010/main" xmlns="" w="9525">
+                <a14:hiddenLine xmlns="" xmlns:a14="http://schemas.microsoft.com/office/drawing/2010/main" w="9525">
                   <a:solidFill>
                     <a:srgbClr val="000000"/>
                   </a:solidFill>
@@ -532,7 +532,7 @@
             </a:ln>
             <a:extLst>
               <a:ext uri="{91240B29-F687-4f45-9708-019B960494DF}">
-                <a14:hiddenLine xmlns:a14="http://schemas.microsoft.com/office/drawing/2010/main" xmlns="" w="9525">
+                <a14:hiddenLine xmlns="" xmlns:a14="http://schemas.microsoft.com/office/drawing/2010/main" w="9525">
                   <a:solidFill>
                     <a:srgbClr val="000000"/>
                   </a:solidFill>
@@ -594,7 +594,7 @@
             </a:ln>
             <a:extLst>
               <a:ext uri="{91240B29-F687-4f45-9708-019B960494DF}">
-                <a14:hiddenLine xmlns:a14="http://schemas.microsoft.com/office/drawing/2010/main" xmlns="" w="9525">
+                <a14:hiddenLine xmlns="" xmlns:a14="http://schemas.microsoft.com/office/drawing/2010/main" w="9525">
                   <a:solidFill>
                     <a:srgbClr val="000000"/>
                   </a:solidFill>
@@ -656,7 +656,7 @@
             </a:ln>
             <a:extLst>
               <a:ext uri="{91240B29-F687-4f45-9708-019B960494DF}">
-                <a14:hiddenLine xmlns:a14="http://schemas.microsoft.com/office/drawing/2010/main" xmlns="" w="9525">
+                <a14:hiddenLine xmlns="" xmlns:a14="http://schemas.microsoft.com/office/drawing/2010/main" w="9525">
                   <a:solidFill>
                     <a:srgbClr val="000000"/>
                   </a:solidFill>
@@ -746,7 +746,7 @@
             </a:ln>
             <a:extLst>
               <a:ext uri="{91240B29-F687-4f45-9708-019B960494DF}">
-                <a14:hiddenLine xmlns:a14="http://schemas.microsoft.com/office/drawing/2010/main" xmlns="" w="9525">
+                <a14:hiddenLine xmlns="" xmlns:a14="http://schemas.microsoft.com/office/drawing/2010/main" w="9525">
                   <a:solidFill>
                     <a:srgbClr val="000000"/>
                   </a:solidFill>
@@ -808,7 +808,7 @@
             </a:ln>
             <a:extLst>
               <a:ext uri="{91240B29-F687-4f45-9708-019B960494DF}">
-                <a14:hiddenLine xmlns:a14="http://schemas.microsoft.com/office/drawing/2010/main" xmlns="" w="9525">
+                <a14:hiddenLine xmlns="" xmlns:a14="http://schemas.microsoft.com/office/drawing/2010/main" w="9525">
                   <a:solidFill>
                     <a:srgbClr val="000000"/>
                   </a:solidFill>
@@ -870,7 +870,7 @@
             </a:ln>
             <a:extLst>
               <a:ext uri="{91240B29-F687-4f45-9708-019B960494DF}">
-                <a14:hiddenLine xmlns:a14="http://schemas.microsoft.com/office/drawing/2010/main" xmlns="" w="9525">
+                <a14:hiddenLine xmlns="" xmlns:a14="http://schemas.microsoft.com/office/drawing/2010/main" w="9525">
                   <a:solidFill>
                     <a:srgbClr val="000000"/>
                   </a:solidFill>
@@ -960,7 +960,7 @@
             </a:ln>
             <a:extLst>
               <a:ext uri="{91240B29-F687-4f45-9708-019B960494DF}">
-                <a14:hiddenLine xmlns:a14="http://schemas.microsoft.com/office/drawing/2010/main" xmlns="" w="9525">
+                <a14:hiddenLine xmlns="" xmlns:a14="http://schemas.microsoft.com/office/drawing/2010/main" w="9525">
                   <a:solidFill>
                     <a:srgbClr val="000000"/>
                   </a:solidFill>
@@ -1050,7 +1050,7 @@
             </a:ln>
             <a:extLst>
               <a:ext uri="{91240B29-F687-4f45-9708-019B960494DF}">
-                <a14:hiddenLine xmlns:a14="http://schemas.microsoft.com/office/drawing/2010/main" xmlns="" w="9525">
+                <a14:hiddenLine xmlns="" xmlns:a14="http://schemas.microsoft.com/office/drawing/2010/main" w="9525">
                   <a:solidFill>
                     <a:srgbClr val="000000"/>
                   </a:solidFill>
@@ -1112,7 +1112,7 @@
             </a:ln>
             <a:extLst>
               <a:ext uri="{91240B29-F687-4f45-9708-019B960494DF}">
-                <a14:hiddenLine xmlns:a14="http://schemas.microsoft.com/office/drawing/2010/main" xmlns="" w="9525">
+                <a14:hiddenLine xmlns="" xmlns:a14="http://schemas.microsoft.com/office/drawing/2010/main" w="9525">
                   <a:solidFill>
                     <a:srgbClr val="000000"/>
                   </a:solidFill>
@@ -1222,7 +1222,7 @@
             </a:ln>
             <a:extLst>
               <a:ext uri="{91240B29-F687-4f45-9708-019B960494DF}">
-                <a14:hiddenLine xmlns:a14="http://schemas.microsoft.com/office/drawing/2010/main" xmlns="" w="9525">
+                <a14:hiddenLine xmlns="" xmlns:a14="http://schemas.microsoft.com/office/drawing/2010/main" w="9525">
                   <a:solidFill>
                     <a:srgbClr val="000000"/>
                   </a:solidFill>
@@ -1284,7 +1284,7 @@
             </a:ln>
             <a:extLst>
               <a:ext uri="{91240B29-F687-4f45-9708-019B960494DF}">
-                <a14:hiddenLine xmlns:a14="http://schemas.microsoft.com/office/drawing/2010/main" xmlns="" w="9525">
+                <a14:hiddenLine xmlns="" xmlns:a14="http://schemas.microsoft.com/office/drawing/2010/main" w="9525">
                   <a:solidFill>
                     <a:srgbClr val="000000"/>
                   </a:solidFill>
@@ -1374,7 +1374,7 @@
             </a:ln>
             <a:extLst>
               <a:ext uri="{91240B29-F687-4f45-9708-019B960494DF}">
-                <a14:hiddenLine xmlns:a14="http://schemas.microsoft.com/office/drawing/2010/main" xmlns="" w="9525">
+                <a14:hiddenLine xmlns="" xmlns:a14="http://schemas.microsoft.com/office/drawing/2010/main" w="9525">
                   <a:solidFill>
                     <a:srgbClr val="000000"/>
                   </a:solidFill>
@@ -1464,7 +1464,7 @@
             </a:ln>
             <a:extLst>
               <a:ext uri="{91240B29-F687-4f45-9708-019B960494DF}">
-                <a14:hiddenLine xmlns:a14="http://schemas.microsoft.com/office/drawing/2010/main" xmlns="" w="9525">
+                <a14:hiddenLine xmlns="" xmlns:a14="http://schemas.microsoft.com/office/drawing/2010/main" w="9525">
                   <a:solidFill>
                     <a:srgbClr val="000000"/>
                   </a:solidFill>
@@ -1526,7 +1526,7 @@
             </a:ln>
             <a:extLst>
               <a:ext uri="{91240B29-F687-4f45-9708-019B960494DF}">
-                <a14:hiddenLine xmlns:a14="http://schemas.microsoft.com/office/drawing/2010/main" xmlns="" w="9525">
+                <a14:hiddenLine xmlns="" xmlns:a14="http://schemas.microsoft.com/office/drawing/2010/main" w="9525">
                   <a:solidFill>
                     <a:srgbClr val="000000"/>
                   </a:solidFill>
@@ -1616,7 +1616,7 @@
             </a:ln>
             <a:extLst>
               <a:ext uri="{91240B29-F687-4f45-9708-019B960494DF}">
-                <a14:hiddenLine xmlns:a14="http://schemas.microsoft.com/office/drawing/2010/main" xmlns="" w="9525">
+                <a14:hiddenLine xmlns="" xmlns:a14="http://schemas.microsoft.com/office/drawing/2010/main" w="9525">
                   <a:solidFill>
                     <a:srgbClr val="000000"/>
                   </a:solidFill>
@@ -1706,7 +1706,7 @@
             </a:ln>
             <a:extLst>
               <a:ext uri="{91240B29-F687-4f45-9708-019B960494DF}">
-                <a14:hiddenLine xmlns:a14="http://schemas.microsoft.com/office/drawing/2010/main" xmlns="" w="9525">
+                <a14:hiddenLine xmlns="" xmlns:a14="http://schemas.microsoft.com/office/drawing/2010/main" w="9525">
                   <a:solidFill>
                     <a:srgbClr val="000000"/>
                   </a:solidFill>
@@ -1762,7 +1762,7 @@
             </a:ln>
             <a:extLst>
               <a:ext uri="{91240B29-F687-4f45-9708-019B960494DF}">
-                <a14:hiddenLine xmlns:a14="http://schemas.microsoft.com/office/drawing/2010/main" xmlns="" w="9525">
+                <a14:hiddenLine xmlns="" xmlns:a14="http://schemas.microsoft.com/office/drawing/2010/main" w="9525">
                   <a:solidFill>
                     <a:srgbClr val="000000"/>
                   </a:solidFill>
@@ -1852,7 +1852,7 @@
             </a:ln>
             <a:extLst>
               <a:ext uri="{91240B29-F687-4f45-9708-019B960494DF}">
-                <a14:hiddenLine xmlns:a14="http://schemas.microsoft.com/office/drawing/2010/main" xmlns="" w="9525">
+                <a14:hiddenLine xmlns="" xmlns:a14="http://schemas.microsoft.com/office/drawing/2010/main" w="9525">
                   <a:solidFill>
                     <a:srgbClr val="000000"/>
                   </a:solidFill>
@@ -1908,7 +1908,7 @@
             </a:ln>
             <a:extLst>
               <a:ext uri="{91240B29-F687-4f45-9708-019B960494DF}">
-                <a14:hiddenLine xmlns:a14="http://schemas.microsoft.com/office/drawing/2010/main" xmlns="" w="9525">
+                <a14:hiddenLine xmlns="" xmlns:a14="http://schemas.microsoft.com/office/drawing/2010/main" w="9525">
                   <a:solidFill>
                     <a:srgbClr val="000000"/>
                   </a:solidFill>
@@ -1998,7 +1998,7 @@
             </a:ln>
             <a:extLst>
               <a:ext uri="{91240B29-F687-4f45-9708-019B960494DF}">
-                <a14:hiddenLine xmlns:a14="http://schemas.microsoft.com/office/drawing/2010/main" xmlns="" w="9525">
+                <a14:hiddenLine xmlns="" xmlns:a14="http://schemas.microsoft.com/office/drawing/2010/main" w="9525">
                   <a:solidFill>
                     <a:srgbClr val="000000"/>
                   </a:solidFill>
@@ -2066,7 +2066,7 @@
             </a:ln>
             <a:extLst>
               <a:ext uri="{91240B29-F687-4f45-9708-019B960494DF}">
-                <a14:hiddenLine xmlns:a14="http://schemas.microsoft.com/office/drawing/2010/main" xmlns="" w="9525">
+                <a14:hiddenLine xmlns="" xmlns:a14="http://schemas.microsoft.com/office/drawing/2010/main" w="9525">
                   <a:solidFill>
                     <a:srgbClr val="000000"/>
                   </a:solidFill>
@@ -2156,7 +2156,7 @@
             </a:ln>
             <a:extLst>
               <a:ext uri="{91240B29-F687-4f45-9708-019B960494DF}">
-                <a14:hiddenLine xmlns:a14="http://schemas.microsoft.com/office/drawing/2010/main" xmlns="" w="9525">
+                <a14:hiddenLine xmlns="" xmlns:a14="http://schemas.microsoft.com/office/drawing/2010/main" w="9525">
                   <a:solidFill>
                     <a:srgbClr val="000000"/>
                   </a:solidFill>
@@ -2224,7 +2224,7 @@
             </a:ln>
             <a:extLst>
               <a:ext uri="{91240B29-F687-4f45-9708-019B960494DF}">
-                <a14:hiddenLine xmlns:a14="http://schemas.microsoft.com/office/drawing/2010/main" xmlns="" w="9525">
+                <a14:hiddenLine xmlns="" xmlns:a14="http://schemas.microsoft.com/office/drawing/2010/main" w="9525">
                   <a:solidFill>
                     <a:srgbClr val="000000"/>
                   </a:solidFill>
@@ -2314,7 +2314,7 @@
             </a:ln>
             <a:extLst>
               <a:ext uri="{91240B29-F687-4f45-9708-019B960494DF}">
-                <a14:hiddenLine xmlns:a14="http://schemas.microsoft.com/office/drawing/2010/main" xmlns="" w="9525">
+                <a14:hiddenLine xmlns="" xmlns:a14="http://schemas.microsoft.com/office/drawing/2010/main" w="9525">
                   <a:solidFill>
                     <a:srgbClr val="000000"/>
                   </a:solidFill>
@@ -2348,7 +2348,7 @@
             </a:ln>
             <a:extLst>
               <a:ext uri="{91240B29-F687-4f45-9708-019B960494DF}">
-                <a14:hiddenLine xmlns:a14="http://schemas.microsoft.com/office/drawing/2010/main" xmlns="" w="9525">
+                <a14:hiddenLine xmlns="" xmlns:a14="http://schemas.microsoft.com/office/drawing/2010/main" w="9525">
                   <a:solidFill>
                     <a:srgbClr val="000000"/>
                   </a:solidFill>
@@ -2438,7 +2438,7 @@
             </a:ln>
             <a:extLst>
               <a:ext uri="{91240B29-F687-4f45-9708-019B960494DF}">
-                <a14:hiddenLine xmlns:a14="http://schemas.microsoft.com/office/drawing/2010/main" xmlns="" w="9525">
+                <a14:hiddenLine xmlns="" xmlns:a14="http://schemas.microsoft.com/office/drawing/2010/main" w="9525">
                   <a:solidFill>
                     <a:srgbClr val="000000"/>
                   </a:solidFill>
@@ -2500,7 +2500,7 @@
             </a:ln>
             <a:extLst>
               <a:ext uri="{91240B29-F687-4f45-9708-019B960494DF}">
-                <a14:hiddenLine xmlns:a14="http://schemas.microsoft.com/office/drawing/2010/main" xmlns="" w="9525">
+                <a14:hiddenLine xmlns="" xmlns:a14="http://schemas.microsoft.com/office/drawing/2010/main" w="9525">
                   <a:solidFill>
                     <a:srgbClr val="000000"/>
                   </a:solidFill>
@@ -2562,7 +2562,7 @@
             </a:ln>
             <a:extLst>
               <a:ext uri="{91240B29-F687-4f45-9708-019B960494DF}">
-                <a14:hiddenLine xmlns:a14="http://schemas.microsoft.com/office/drawing/2010/main" xmlns="" w="9525">
+                <a14:hiddenLine xmlns="" xmlns:a14="http://schemas.microsoft.com/office/drawing/2010/main" w="9525">
                   <a:solidFill>
                     <a:srgbClr val="000000"/>
                   </a:solidFill>
@@ -2652,7 +2652,7 @@
             </a:ln>
             <a:extLst>
               <a:ext uri="{91240B29-F687-4f45-9708-019B960494DF}">
-                <a14:hiddenLine xmlns:a14="http://schemas.microsoft.com/office/drawing/2010/main" xmlns="" w="9525">
+                <a14:hiddenLine xmlns="" xmlns:a14="http://schemas.microsoft.com/office/drawing/2010/main" w="9525">
                   <a:solidFill>
                     <a:srgbClr val="000000"/>
                   </a:solidFill>
@@ -2720,7 +2720,7 @@
             </a:ln>
             <a:extLst>
               <a:ext uri="{91240B29-F687-4f45-9708-019B960494DF}">
-                <a14:hiddenLine xmlns:a14="http://schemas.microsoft.com/office/drawing/2010/main" xmlns="" w="9525">
+                <a14:hiddenLine xmlns="" xmlns:a14="http://schemas.microsoft.com/office/drawing/2010/main" w="9525">
                   <a:solidFill>
                     <a:srgbClr val="000000"/>
                   </a:solidFill>
@@ -2782,7 +2782,7 @@
             </a:ln>
             <a:extLst>
               <a:ext uri="{91240B29-F687-4f45-9708-019B960494DF}">
-                <a14:hiddenLine xmlns:a14="http://schemas.microsoft.com/office/drawing/2010/main" xmlns="" w="9525">
+                <a14:hiddenLine xmlns="" xmlns:a14="http://schemas.microsoft.com/office/drawing/2010/main" w="9525">
                   <a:solidFill>
                     <a:srgbClr val="000000"/>
                   </a:solidFill>
@@ -2872,7 +2872,7 @@
             </a:ln>
             <a:extLst>
               <a:ext uri="{91240B29-F687-4f45-9708-019B960494DF}">
-                <a14:hiddenLine xmlns:a14="http://schemas.microsoft.com/office/drawing/2010/main" xmlns="" w="9525">
+                <a14:hiddenLine xmlns="" xmlns:a14="http://schemas.microsoft.com/office/drawing/2010/main" w="9525">
                   <a:solidFill>
                     <a:srgbClr val="000000"/>
                   </a:solidFill>
@@ -2934,7 +2934,7 @@
             </a:ln>
             <a:extLst>
               <a:ext uri="{91240B29-F687-4f45-9708-019B960494DF}">
-                <a14:hiddenLine xmlns:a14="http://schemas.microsoft.com/office/drawing/2010/main" xmlns="" w="9525">
+                <a14:hiddenLine xmlns="" xmlns:a14="http://schemas.microsoft.com/office/drawing/2010/main" w="9525">
                   <a:solidFill>
                     <a:srgbClr val="000000"/>
                   </a:solidFill>
@@ -3024,7 +3024,7 @@
             </a:ln>
             <a:extLst>
               <a:ext uri="{91240B29-F687-4f45-9708-019B960494DF}">
-                <a14:hiddenLine xmlns:a14="http://schemas.microsoft.com/office/drawing/2010/main" xmlns="" w="9525">
+                <a14:hiddenLine xmlns="" xmlns:a14="http://schemas.microsoft.com/office/drawing/2010/main" w="9525">
                   <a:solidFill>
                     <a:srgbClr val="000000"/>
                   </a:solidFill>
@@ -3086,7 +3086,7 @@
             </a:ln>
             <a:extLst>
               <a:ext uri="{91240B29-F687-4f45-9708-019B960494DF}">
-                <a14:hiddenLine xmlns:a14="http://schemas.microsoft.com/office/drawing/2010/main" xmlns="" w="9525">
+                <a14:hiddenLine xmlns="" xmlns:a14="http://schemas.microsoft.com/office/drawing/2010/main" w="9525">
                   <a:solidFill>
                     <a:srgbClr val="000000"/>
                   </a:solidFill>
@@ -3176,7 +3176,7 @@
             </a:ln>
             <a:extLst>
               <a:ext uri="{91240B29-F687-4f45-9708-019B960494DF}">
-                <a14:hiddenLine xmlns:a14="http://schemas.microsoft.com/office/drawing/2010/main" xmlns="" w="9525">
+                <a14:hiddenLine xmlns="" xmlns:a14="http://schemas.microsoft.com/office/drawing/2010/main" w="9525">
                   <a:solidFill>
                     <a:srgbClr val="000000"/>
                   </a:solidFill>
@@ -3210,7 +3210,7 @@
             </a:ln>
             <a:extLst>
               <a:ext uri="{91240B29-F687-4f45-9708-019B960494DF}">
-                <a14:hiddenLine xmlns:a14="http://schemas.microsoft.com/office/drawing/2010/main" xmlns="" w="9525">
+                <a14:hiddenLine xmlns="" xmlns:a14="http://schemas.microsoft.com/office/drawing/2010/main" w="9525">
                   <a:solidFill>
                     <a:srgbClr val="000000"/>
                   </a:solidFill>
@@ -3275,7 +3275,7 @@
             </a:ln>
             <a:extLst>
               <a:ext uri="{91240B29-F687-4f45-9708-019B960494DF}">
-                <a14:hiddenLine xmlns:a14="http://schemas.microsoft.com/office/drawing/2010/main" xmlns="" w="9525">
+                <a14:hiddenLine xmlns="" xmlns:a14="http://schemas.microsoft.com/office/drawing/2010/main" w="9525">
                   <a:solidFill>
                     <a:srgbClr val="000000"/>
                   </a:solidFill>
@@ -3365,7 +3365,7 @@
             </a:ln>
             <a:extLst>
               <a:ext uri="{91240B29-F687-4f45-9708-019B960494DF}">
-                <a14:hiddenLine xmlns:a14="http://schemas.microsoft.com/office/drawing/2010/main" xmlns="" w="9525">
+                <a14:hiddenLine xmlns="" xmlns:a14="http://schemas.microsoft.com/office/drawing/2010/main" w="9525">
                   <a:solidFill>
                     <a:srgbClr val="000000"/>
                   </a:solidFill>
@@ -3427,7 +3427,7 @@
             </a:ln>
             <a:extLst>
               <a:ext uri="{91240B29-F687-4f45-9708-019B960494DF}">
-                <a14:hiddenLine xmlns:a14="http://schemas.microsoft.com/office/drawing/2010/main" xmlns="" w="9525">
+                <a14:hiddenLine xmlns="" xmlns:a14="http://schemas.microsoft.com/office/drawing/2010/main" w="9525">
                   <a:solidFill>
                     <a:srgbClr val="000000"/>
                   </a:solidFill>
@@ -3517,7 +3517,7 @@
             </a:ln>
             <a:extLst>
               <a:ext uri="{91240B29-F687-4f45-9708-019B960494DF}">
-                <a14:hiddenLine xmlns:a14="http://schemas.microsoft.com/office/drawing/2010/main" xmlns="" w="9525">
+                <a14:hiddenLine xmlns="" xmlns:a14="http://schemas.microsoft.com/office/drawing/2010/main" w="9525">
                   <a:solidFill>
                     <a:srgbClr val="000000"/>
                   </a:solidFill>
@@ -3607,7 +3607,7 @@
             </a:ln>
             <a:extLst>
               <a:ext uri="{91240B29-F687-4f45-9708-019B960494DF}">
-                <a14:hiddenLine xmlns:a14="http://schemas.microsoft.com/office/drawing/2010/main" xmlns="" w="9525">
+                <a14:hiddenLine xmlns="" xmlns:a14="http://schemas.microsoft.com/office/drawing/2010/main" w="9525">
                   <a:solidFill>
                     <a:srgbClr val="000000"/>
                   </a:solidFill>
@@ -3672,7 +3672,7 @@
             </a:ln>
             <a:extLst>
               <a:ext uri="{91240B29-F687-4f45-9708-019B960494DF}">
-                <a14:hiddenLine xmlns:a14="http://schemas.microsoft.com/office/drawing/2010/main" xmlns="" w="9525">
+                <a14:hiddenLine xmlns="" xmlns:a14="http://schemas.microsoft.com/office/drawing/2010/main" w="9525">
                   <a:solidFill>
                     <a:srgbClr val="000000"/>
                   </a:solidFill>
@@ -3734,7 +3734,7 @@
             </a:ln>
             <a:extLst>
               <a:ext uri="{91240B29-F687-4f45-9708-019B960494DF}">
-                <a14:hiddenLine xmlns:a14="http://schemas.microsoft.com/office/drawing/2010/main" xmlns="" w="9525">
+                <a14:hiddenLine xmlns="" xmlns:a14="http://schemas.microsoft.com/office/drawing/2010/main" w="9525">
                   <a:solidFill>
                     <a:srgbClr val="000000"/>
                   </a:solidFill>
@@ -3824,7 +3824,7 @@
             </a:ln>
             <a:extLst>
               <a:ext uri="{91240B29-F687-4f45-9708-019B960494DF}">
-                <a14:hiddenLine xmlns:a14="http://schemas.microsoft.com/office/drawing/2010/main" xmlns="" w="9525">
+                <a14:hiddenLine xmlns="" xmlns:a14="http://schemas.microsoft.com/office/drawing/2010/main" w="9525">
                   <a:solidFill>
                     <a:srgbClr val="000000"/>
                   </a:solidFill>
@@ -3914,7 +3914,7 @@
             </a:ln>
             <a:extLst>
               <a:ext uri="{91240B29-F687-4f45-9708-019B960494DF}">
-                <a14:hiddenLine xmlns:a14="http://schemas.microsoft.com/office/drawing/2010/main" xmlns="" w="9525">
+                <a14:hiddenLine xmlns="" xmlns:a14="http://schemas.microsoft.com/office/drawing/2010/main" w="9525">
                   <a:solidFill>
                     <a:srgbClr val="000000"/>
                   </a:solidFill>
@@ -3976,7 +3976,7 @@
             </a:ln>
             <a:extLst>
               <a:ext uri="{91240B29-F687-4f45-9708-019B960494DF}">
-                <a14:hiddenLine xmlns:a14="http://schemas.microsoft.com/office/drawing/2010/main" xmlns="" w="9525">
+                <a14:hiddenLine xmlns="" xmlns:a14="http://schemas.microsoft.com/office/drawing/2010/main" w="9525">
                   <a:solidFill>
                     <a:srgbClr val="000000"/>
                   </a:solidFill>
@@ -4096,7 +4096,7 @@
             </a:ln>
             <a:extLst>
               <a:ext uri="{91240B29-F687-4f45-9708-019B960494DF}">
-                <a14:hiddenLine xmlns:a14="http://schemas.microsoft.com/office/drawing/2010/main" xmlns="" w="9525">
+                <a14:hiddenLine xmlns="" xmlns:a14="http://schemas.microsoft.com/office/drawing/2010/main" w="9525">
                   <a:solidFill>
                     <a:srgbClr val="000000"/>
                   </a:solidFill>
@@ -4164,7 +4164,7 @@
             </a:ln>
             <a:extLst>
               <a:ext uri="{91240B29-F687-4f45-9708-019B960494DF}">
-                <a14:hiddenLine xmlns:a14="http://schemas.microsoft.com/office/drawing/2010/main" xmlns="" w="9525">
+                <a14:hiddenLine xmlns="" xmlns:a14="http://schemas.microsoft.com/office/drawing/2010/main" w="9525">
                   <a:solidFill>
                     <a:srgbClr val="000000"/>
                   </a:solidFill>
@@ -4254,7 +4254,7 @@
             </a:ln>
             <a:extLst>
               <a:ext uri="{91240B29-F687-4f45-9708-019B960494DF}">
-                <a14:hiddenLine xmlns:a14="http://schemas.microsoft.com/office/drawing/2010/main" xmlns="" w="9525">
+                <a14:hiddenLine xmlns="" xmlns:a14="http://schemas.microsoft.com/office/drawing/2010/main" w="9525">
                   <a:solidFill>
                     <a:srgbClr val="000000"/>
                   </a:solidFill>
@@ -8976,7 +8976,7 @@
           <a:noFill/>
           <a:extLst>
             <a:ext uri="{909E8E84-426E-40dd-AFC4-6F175D3DCCD1}">
-              <a14:hiddenFill xmlns:a14="http://schemas.microsoft.com/office/drawing/2010/main" xmlns="">
+              <a14:hiddenFill xmlns="" xmlns:a14="http://schemas.microsoft.com/office/drawing/2010/main">
                 <a:solidFill>
                   <a:srgbClr val="FFFFFF"/>
                 </a:solidFill>
@@ -9050,7 +9050,7 @@
               </a:ln>
               <a:extLst>
                 <a:ext uri="{91240B29-F687-4f45-9708-019B960494DF}">
-                  <a14:hiddenLine xmlns:a14="http://schemas.microsoft.com/office/drawing/2010/main" xmlns="" w="9525">
+                  <a14:hiddenLine xmlns="" xmlns:a14="http://schemas.microsoft.com/office/drawing/2010/main" w="9525">
                     <a:solidFill>
                       <a:srgbClr val="000000"/>
                     </a:solidFill>
@@ -9140,7 +9140,7 @@
               </a:ln>
               <a:extLst>
                 <a:ext uri="{91240B29-F687-4f45-9708-019B960494DF}">
-                  <a14:hiddenLine xmlns:a14="http://schemas.microsoft.com/office/drawing/2010/main" xmlns="" w="9525">
+                  <a14:hiddenLine xmlns="" xmlns:a14="http://schemas.microsoft.com/office/drawing/2010/main" w="9525">
                     <a:solidFill>
                       <a:srgbClr val="000000"/>
                     </a:solidFill>
@@ -9230,7 +9230,7 @@
               </a:ln>
               <a:extLst>
                 <a:ext uri="{91240B29-F687-4f45-9708-019B960494DF}">
-                  <a14:hiddenLine xmlns:a14="http://schemas.microsoft.com/office/drawing/2010/main" xmlns="" w="9525">
+                  <a14:hiddenLine xmlns="" xmlns:a14="http://schemas.microsoft.com/office/drawing/2010/main" w="9525">
                     <a:solidFill>
                       <a:srgbClr val="000000"/>
                     </a:solidFill>
@@ -9292,7 +9292,7 @@
               </a:ln>
               <a:extLst>
                 <a:ext uri="{91240B29-F687-4f45-9708-019B960494DF}">
-                  <a14:hiddenLine xmlns:a14="http://schemas.microsoft.com/office/drawing/2010/main" xmlns="" w="9525">
+                  <a14:hiddenLine xmlns="" xmlns:a14="http://schemas.microsoft.com/office/drawing/2010/main" w="9525">
                     <a:solidFill>
                       <a:srgbClr val="000000"/>
                     </a:solidFill>
@@ -9382,7 +9382,7 @@
               </a:ln>
               <a:extLst>
                 <a:ext uri="{91240B29-F687-4f45-9708-019B960494DF}">
-                  <a14:hiddenLine xmlns:a14="http://schemas.microsoft.com/office/drawing/2010/main" xmlns="" w="9525">
+                  <a14:hiddenLine xmlns="" xmlns:a14="http://schemas.microsoft.com/office/drawing/2010/main" w="9525">
                     <a:solidFill>
                       <a:srgbClr val="000000"/>
                     </a:solidFill>
@@ -9444,7 +9444,7 @@
               </a:ln>
               <a:extLst>
                 <a:ext uri="{91240B29-F687-4f45-9708-019B960494DF}">
-                  <a14:hiddenLine xmlns:a14="http://schemas.microsoft.com/office/drawing/2010/main" xmlns="" w="9525">
+                  <a14:hiddenLine xmlns="" xmlns:a14="http://schemas.microsoft.com/office/drawing/2010/main" w="9525">
                     <a:solidFill>
                       <a:srgbClr val="000000"/>
                     </a:solidFill>
@@ -9506,7 +9506,7 @@
               </a:ln>
               <a:extLst>
                 <a:ext uri="{91240B29-F687-4f45-9708-019B960494DF}">
-                  <a14:hiddenLine xmlns:a14="http://schemas.microsoft.com/office/drawing/2010/main" xmlns="" w="9525">
+                  <a14:hiddenLine xmlns="" xmlns:a14="http://schemas.microsoft.com/office/drawing/2010/main" w="9525">
                     <a:solidFill>
                       <a:srgbClr val="000000"/>
                     </a:solidFill>
@@ -9596,7 +9596,7 @@
               </a:ln>
               <a:extLst>
                 <a:ext uri="{91240B29-F687-4f45-9708-019B960494DF}">
-                  <a14:hiddenLine xmlns:a14="http://schemas.microsoft.com/office/drawing/2010/main" xmlns="" w="9525">
+                  <a14:hiddenLine xmlns="" xmlns:a14="http://schemas.microsoft.com/office/drawing/2010/main" w="9525">
                     <a:solidFill>
                       <a:srgbClr val="000000"/>
                     </a:solidFill>
@@ -9686,7 +9686,7 @@
               </a:ln>
               <a:extLst>
                 <a:ext uri="{91240B29-F687-4f45-9708-019B960494DF}">
-                  <a14:hiddenLine xmlns:a14="http://schemas.microsoft.com/office/drawing/2010/main" xmlns="" w="9525">
+                  <a14:hiddenLine xmlns="" xmlns:a14="http://schemas.microsoft.com/office/drawing/2010/main" w="9525">
                     <a:solidFill>
                       <a:srgbClr val="000000"/>
                     </a:solidFill>
@@ -9748,7 +9748,7 @@
               </a:ln>
               <a:extLst>
                 <a:ext uri="{91240B29-F687-4f45-9708-019B960494DF}">
-                  <a14:hiddenLine xmlns:a14="http://schemas.microsoft.com/office/drawing/2010/main" xmlns="" w="9525">
+                  <a14:hiddenLine xmlns="" xmlns:a14="http://schemas.microsoft.com/office/drawing/2010/main" w="9525">
                     <a:solidFill>
                       <a:srgbClr val="000000"/>
                     </a:solidFill>
@@ -9858,7 +9858,7 @@
               </a:ln>
               <a:extLst>
                 <a:ext uri="{91240B29-F687-4f45-9708-019B960494DF}">
-                  <a14:hiddenLine xmlns:a14="http://schemas.microsoft.com/office/drawing/2010/main" xmlns="" w="9525">
+                  <a14:hiddenLine xmlns="" xmlns:a14="http://schemas.microsoft.com/office/drawing/2010/main" w="9525">
                     <a:solidFill>
                       <a:srgbClr val="000000"/>
                     </a:solidFill>
@@ -9942,7 +9942,7 @@
               </a:ln>
               <a:extLst>
                 <a:ext uri="{91240B29-F687-4f45-9708-019B960494DF}">
-                  <a14:hiddenLine xmlns:a14="http://schemas.microsoft.com/office/drawing/2010/main" xmlns="" w="9525">
+                  <a14:hiddenLine xmlns="" xmlns:a14="http://schemas.microsoft.com/office/drawing/2010/main" w="9525">
                     <a:solidFill>
                       <a:srgbClr val="000000"/>
                     </a:solidFill>
@@ -10004,7 +10004,7 @@
               </a:ln>
               <a:extLst>
                 <a:ext uri="{91240B29-F687-4f45-9708-019B960494DF}">
-                  <a14:hiddenLine xmlns:a14="http://schemas.microsoft.com/office/drawing/2010/main" xmlns="" w="9525">
+                  <a14:hiddenLine xmlns="" xmlns:a14="http://schemas.microsoft.com/office/drawing/2010/main" w="9525">
                     <a:solidFill>
                       <a:srgbClr val="000000"/>
                     </a:solidFill>
@@ -10066,7 +10066,7 @@
               </a:ln>
               <a:extLst>
                 <a:ext uri="{91240B29-F687-4f45-9708-019B960494DF}">
-                  <a14:hiddenLine xmlns:a14="http://schemas.microsoft.com/office/drawing/2010/main" xmlns="" w="9525">
+                  <a14:hiddenLine xmlns="" xmlns:a14="http://schemas.microsoft.com/office/drawing/2010/main" w="9525">
                     <a:solidFill>
                       <a:srgbClr val="000000"/>
                     </a:solidFill>
@@ -10156,7 +10156,7 @@
               </a:ln>
               <a:extLst>
                 <a:ext uri="{91240B29-F687-4f45-9708-019B960494DF}">
-                  <a14:hiddenLine xmlns:a14="http://schemas.microsoft.com/office/drawing/2010/main" xmlns="" w="9525">
+                  <a14:hiddenLine xmlns="" xmlns:a14="http://schemas.microsoft.com/office/drawing/2010/main" w="9525">
                     <a:solidFill>
                       <a:srgbClr val="000000"/>
                     </a:solidFill>
@@ -10190,7 +10190,7 @@
               </a:ln>
               <a:extLst>
                 <a:ext uri="{91240B29-F687-4f45-9708-019B960494DF}">
-                  <a14:hiddenLine xmlns:a14="http://schemas.microsoft.com/office/drawing/2010/main" xmlns="" w="9525">
+                  <a14:hiddenLine xmlns="" xmlns:a14="http://schemas.microsoft.com/office/drawing/2010/main" w="9525">
                     <a:solidFill>
                       <a:srgbClr val="000000"/>
                     </a:solidFill>
@@ -10255,7 +10255,7 @@
               </a:ln>
               <a:extLst>
                 <a:ext uri="{91240B29-F687-4f45-9708-019B960494DF}">
-                  <a14:hiddenLine xmlns:a14="http://schemas.microsoft.com/office/drawing/2010/main" xmlns="" w="9525">
+                  <a14:hiddenLine xmlns="" xmlns:a14="http://schemas.microsoft.com/office/drawing/2010/main" w="9525">
                     <a:solidFill>
                       <a:srgbClr val="000000"/>
                     </a:solidFill>
@@ -10345,7 +10345,7 @@
               </a:ln>
               <a:extLst>
                 <a:ext uri="{91240B29-F687-4f45-9708-019B960494DF}">
-                  <a14:hiddenLine xmlns:a14="http://schemas.microsoft.com/office/drawing/2010/main" xmlns="" w="9525">
+                  <a14:hiddenLine xmlns="" xmlns:a14="http://schemas.microsoft.com/office/drawing/2010/main" w="9525">
                     <a:solidFill>
                       <a:srgbClr val="000000"/>
                     </a:solidFill>
@@ -10407,7 +10407,7 @@
               </a:ln>
               <a:extLst>
                 <a:ext uri="{91240B29-F687-4f45-9708-019B960494DF}">
-                  <a14:hiddenLine xmlns:a14="http://schemas.microsoft.com/office/drawing/2010/main" xmlns="" w="9525">
+                  <a14:hiddenLine xmlns="" xmlns:a14="http://schemas.microsoft.com/office/drawing/2010/main" w="9525">
                     <a:solidFill>
                       <a:srgbClr val="000000"/>
                     </a:solidFill>
@@ -10497,7 +10497,7 @@
               </a:ln>
               <a:extLst>
                 <a:ext uri="{91240B29-F687-4f45-9708-019B960494DF}">
-                  <a14:hiddenLine xmlns:a14="http://schemas.microsoft.com/office/drawing/2010/main" xmlns="" w="9525">
+                  <a14:hiddenLine xmlns="" xmlns:a14="http://schemas.microsoft.com/office/drawing/2010/main" w="9525">
                     <a:solidFill>
                       <a:srgbClr val="000000"/>
                     </a:solidFill>
@@ -10562,7 +10562,7 @@
               </a:ln>
               <a:extLst>
                 <a:ext uri="{91240B29-F687-4f45-9708-019B960494DF}">
-                  <a14:hiddenLine xmlns:a14="http://schemas.microsoft.com/office/drawing/2010/main" xmlns="" w="9525">
+                  <a14:hiddenLine xmlns="" xmlns:a14="http://schemas.microsoft.com/office/drawing/2010/main" w="9525">
                     <a:solidFill>
                       <a:srgbClr val="000000"/>
                     </a:solidFill>
@@ -10624,7 +10624,7 @@
               </a:ln>
               <a:extLst>
                 <a:ext uri="{91240B29-F687-4f45-9708-019B960494DF}">
-                  <a14:hiddenLine xmlns:a14="http://schemas.microsoft.com/office/drawing/2010/main" xmlns="" w="9525">
+                  <a14:hiddenLine xmlns="" xmlns:a14="http://schemas.microsoft.com/office/drawing/2010/main" w="9525">
                     <a:solidFill>
                       <a:srgbClr val="000000"/>
                     </a:solidFill>
@@ -10714,7 +10714,7 @@
               </a:ln>
               <a:extLst>
                 <a:ext uri="{91240B29-F687-4f45-9708-019B960494DF}">
-                  <a14:hiddenLine xmlns:a14="http://schemas.microsoft.com/office/drawing/2010/main" xmlns="" w="9525">
+                  <a14:hiddenLine xmlns="" xmlns:a14="http://schemas.microsoft.com/office/drawing/2010/main" w="9525">
                     <a:solidFill>
                       <a:srgbClr val="000000"/>
                     </a:solidFill>
@@ -10804,7 +10804,7 @@
               </a:ln>
               <a:extLst>
                 <a:ext uri="{91240B29-F687-4f45-9708-019B960494DF}">
-                  <a14:hiddenLine xmlns:a14="http://schemas.microsoft.com/office/drawing/2010/main" xmlns="" w="9525">
+                  <a14:hiddenLine xmlns="" xmlns:a14="http://schemas.microsoft.com/office/drawing/2010/main" w="9525">
                     <a:solidFill>
                       <a:srgbClr val="000000"/>
                     </a:solidFill>
@@ -10869,7 +10869,7 @@
               </a:ln>
               <a:extLst>
                 <a:ext uri="{91240B29-F687-4f45-9708-019B960494DF}">
-                  <a14:hiddenLine xmlns:a14="http://schemas.microsoft.com/office/drawing/2010/main" xmlns="" w="9525">
+                  <a14:hiddenLine xmlns="" xmlns:a14="http://schemas.microsoft.com/office/drawing/2010/main" w="9525">
                     <a:solidFill>
                       <a:srgbClr val="000000"/>
                     </a:solidFill>
@@ -10989,7 +10989,7 @@
               </a:ln>
               <a:extLst>
                 <a:ext uri="{91240B29-F687-4f45-9708-019B960494DF}">
-                  <a14:hiddenLine xmlns:a14="http://schemas.microsoft.com/office/drawing/2010/main" xmlns="" w="9525">
+                  <a14:hiddenLine xmlns="" xmlns:a14="http://schemas.microsoft.com/office/drawing/2010/main" w="9525">
                     <a:solidFill>
                       <a:srgbClr val="000000"/>
                     </a:solidFill>
@@ -11087,7 +11087,7 @@
               </a:ln>
               <a:extLst>
                 <a:ext uri="{91240B29-F687-4f45-9708-019B960494DF}">
-                  <a14:hiddenLine xmlns:a14="http://schemas.microsoft.com/office/drawing/2010/main" xmlns="" w="9525">
+                  <a14:hiddenLine xmlns="" xmlns:a14="http://schemas.microsoft.com/office/drawing/2010/main" w="9525">
                     <a:solidFill>
                       <a:srgbClr val="000000"/>
                     </a:solidFill>
@@ -11202,7 +11202,7 @@
               </a:ln>
               <a:extLst>
                 <a:ext uri="{91240B29-F687-4f45-9708-019B960494DF}">
-                  <a14:hiddenLine xmlns:a14="http://schemas.microsoft.com/office/drawing/2010/main" xmlns="" w="9525">
+                  <a14:hiddenLine xmlns="" xmlns:a14="http://schemas.microsoft.com/office/drawing/2010/main" w="9525">
                     <a:solidFill>
                       <a:srgbClr val="000000"/>
                     </a:solidFill>
@@ -11292,7 +11292,7 @@
               </a:ln>
               <a:extLst>
                 <a:ext uri="{91240B29-F687-4f45-9708-019B960494DF}">
-                  <a14:hiddenLine xmlns:a14="http://schemas.microsoft.com/office/drawing/2010/main" xmlns="" w="9525">
+                  <a14:hiddenLine xmlns="" xmlns:a14="http://schemas.microsoft.com/office/drawing/2010/main" w="9525">
                     <a:solidFill>
                       <a:srgbClr val="000000"/>
                     </a:solidFill>
@@ -11357,7 +11357,7 @@
               </a:ln>
               <a:extLst>
                 <a:ext uri="{91240B29-F687-4f45-9708-019B960494DF}">
-                  <a14:hiddenLine xmlns:a14="http://schemas.microsoft.com/office/drawing/2010/main" xmlns="" w="9525">
+                  <a14:hiddenLine xmlns="" xmlns:a14="http://schemas.microsoft.com/office/drawing/2010/main" w="9525">
                     <a:solidFill>
                       <a:srgbClr val="000000"/>
                     </a:solidFill>
@@ -11447,7 +11447,7 @@
               </a:ln>
               <a:extLst>
                 <a:ext uri="{91240B29-F687-4f45-9708-019B960494DF}">
-                  <a14:hiddenLine xmlns:a14="http://schemas.microsoft.com/office/drawing/2010/main" xmlns="" w="9525">
+                  <a14:hiddenLine xmlns="" xmlns:a14="http://schemas.microsoft.com/office/drawing/2010/main" w="9525">
                     <a:solidFill>
                       <a:srgbClr val="000000"/>
                     </a:solidFill>
@@ -11515,7 +11515,7 @@
               </a:ln>
               <a:extLst>
                 <a:ext uri="{91240B29-F687-4f45-9708-019B960494DF}">
-                  <a14:hiddenLine xmlns:a14="http://schemas.microsoft.com/office/drawing/2010/main" xmlns="" w="9525">
+                  <a14:hiddenLine xmlns="" xmlns:a14="http://schemas.microsoft.com/office/drawing/2010/main" w="9525">
                     <a:solidFill>
                       <a:srgbClr val="000000"/>
                     </a:solidFill>
@@ -11605,7 +11605,7 @@
               </a:ln>
               <a:extLst>
                 <a:ext uri="{91240B29-F687-4f45-9708-019B960494DF}">
-                  <a14:hiddenLine xmlns:a14="http://schemas.microsoft.com/office/drawing/2010/main" xmlns="" w="9525">
+                  <a14:hiddenLine xmlns="" xmlns:a14="http://schemas.microsoft.com/office/drawing/2010/main" w="9525">
                     <a:solidFill>
                       <a:srgbClr val="000000"/>
                     </a:solidFill>
@@ -11673,7 +11673,7 @@
               </a:ln>
               <a:extLst>
                 <a:ext uri="{91240B29-F687-4f45-9708-019B960494DF}">
-                  <a14:hiddenLine xmlns:a14="http://schemas.microsoft.com/office/drawing/2010/main" xmlns="" w="9525">
+                  <a14:hiddenLine xmlns="" xmlns:a14="http://schemas.microsoft.com/office/drawing/2010/main" w="9525">
                     <a:solidFill>
                       <a:srgbClr val="000000"/>
                     </a:solidFill>
@@ -11763,7 +11763,7 @@
               </a:ln>
               <a:extLst>
                 <a:ext uri="{91240B29-F687-4f45-9708-019B960494DF}">
-                  <a14:hiddenLine xmlns:a14="http://schemas.microsoft.com/office/drawing/2010/main" xmlns="" w="9525">
+                  <a14:hiddenLine xmlns="" xmlns:a14="http://schemas.microsoft.com/office/drawing/2010/main" w="9525">
                     <a:solidFill>
                       <a:srgbClr val="000000"/>
                     </a:solidFill>
@@ -11797,7 +11797,7 @@
               </a:ln>
               <a:extLst>
                 <a:ext uri="{91240B29-F687-4f45-9708-019B960494DF}">
-                  <a14:hiddenLine xmlns:a14="http://schemas.microsoft.com/office/drawing/2010/main" xmlns="" w="9525">
+                  <a14:hiddenLine xmlns="" xmlns:a14="http://schemas.microsoft.com/office/drawing/2010/main" w="9525">
                     <a:solidFill>
                       <a:srgbClr val="000000"/>
                     </a:solidFill>
@@ -12750,8 +12750,8 @@
         </p:blipFill>
         <p:spPr>
           <a:xfrm>
-            <a:off x="964505" y="1181389"/>
-            <a:ext cx="10597018" cy="5307094"/>
+            <a:off x="1542728" y="1068654"/>
+            <a:ext cx="9631778" cy="5419829"/>
           </a:xfrm>
           <a:prstGeom prst="rect">
             <a:avLst/>
@@ -13108,7 +13108,7 @@
         </p:blipFill>
         <p:spPr>
           <a:xfrm>
-            <a:off x="3959590" y="1106676"/>
+            <a:off x="3890100" y="958758"/>
             <a:ext cx="4308416" cy="5669280"/>
           </a:xfrm>
           <a:prstGeom prst="rect">
@@ -13263,6 +13263,13 @@
   <p:clrMapOvr>
     <a:masterClrMapping/>
   </p:clrMapOvr>
+  <p:timing>
+    <p:tnLst>
+      <p:par>
+        <p:cTn id="1" dur="indefinite" restart="never" nodeType="tmRoot"/>
+      </p:par>
+    </p:tnLst>
+  </p:timing>
 </p:sld>
 </file>
 

--- a/Raport de projet/Le site web/WENDy’s.pptx
+++ b/Raport de projet/Le site web/WENDy’s.pptx
@@ -7,9 +7,9 @@
   <p:sldIdLst>
     <p:sldId id="256" r:id="rId2"/>
     <p:sldId id="257" r:id="rId3"/>
-    <p:sldId id="258" r:id="rId4"/>
+    <p:sldId id="261" r:id="rId4"/>
     <p:sldId id="260" r:id="rId5"/>
-    <p:sldId id="261" r:id="rId6"/>
+    <p:sldId id="258" r:id="rId6"/>
     <p:sldId id="262" r:id="rId7"/>
     <p:sldId id="263" r:id="rId8"/>
   </p:sldIdLst>
@@ -168,7 +168,7 @@
           <a:noFill/>
           <a:extLst>
             <a:ext uri="{909E8E84-426E-40dd-AFC4-6F175D3DCCD1}">
-              <a14:hiddenFill xmlns="" xmlns:a14="http://schemas.microsoft.com/office/drawing/2010/main">
+              <a14:hiddenFill xmlns:a14="http://schemas.microsoft.com/office/drawing/2010/main" xmlns="">
                 <a:solidFill>
                   <a:srgbClr val="FFFFFF"/>
                 </a:solidFill>
@@ -228,7 +228,7 @@
             </a:ln>
             <a:extLst>
               <a:ext uri="{91240B29-F687-4f45-9708-019B960494DF}">
-                <a14:hiddenLine xmlns="" xmlns:a14="http://schemas.microsoft.com/office/drawing/2010/main" w="9525">
+                <a14:hiddenLine xmlns:a14="http://schemas.microsoft.com/office/drawing/2010/main" xmlns="" w="9525">
                   <a:solidFill>
                     <a:srgbClr val="000000"/>
                   </a:solidFill>
@@ -318,7 +318,7 @@
             </a:ln>
             <a:extLst>
               <a:ext uri="{91240B29-F687-4f45-9708-019B960494DF}">
-                <a14:hiddenLine xmlns="" xmlns:a14="http://schemas.microsoft.com/office/drawing/2010/main" w="9525">
+                <a14:hiddenLine xmlns:a14="http://schemas.microsoft.com/office/drawing/2010/main" xmlns="" w="9525">
                   <a:solidFill>
                     <a:srgbClr val="000000"/>
                   </a:solidFill>
@@ -408,7 +408,7 @@
             </a:ln>
             <a:extLst>
               <a:ext uri="{91240B29-F687-4f45-9708-019B960494DF}">
-                <a14:hiddenLine xmlns="" xmlns:a14="http://schemas.microsoft.com/office/drawing/2010/main" w="9525">
+                <a14:hiddenLine xmlns:a14="http://schemas.microsoft.com/office/drawing/2010/main" xmlns="" w="9525">
                   <a:solidFill>
                     <a:srgbClr val="000000"/>
                   </a:solidFill>
@@ -442,7 +442,7 @@
             </a:ln>
             <a:extLst>
               <a:ext uri="{91240B29-F687-4f45-9708-019B960494DF}">
-                <a14:hiddenLine xmlns="" xmlns:a14="http://schemas.microsoft.com/office/drawing/2010/main" w="9525">
+                <a14:hiddenLine xmlns:a14="http://schemas.microsoft.com/office/drawing/2010/main" xmlns="" w="9525">
                   <a:solidFill>
                     <a:srgbClr val="000000"/>
                   </a:solidFill>
@@ -532,7 +532,7 @@
             </a:ln>
             <a:extLst>
               <a:ext uri="{91240B29-F687-4f45-9708-019B960494DF}">
-                <a14:hiddenLine xmlns="" xmlns:a14="http://schemas.microsoft.com/office/drawing/2010/main" w="9525">
+                <a14:hiddenLine xmlns:a14="http://schemas.microsoft.com/office/drawing/2010/main" xmlns="" w="9525">
                   <a:solidFill>
                     <a:srgbClr val="000000"/>
                   </a:solidFill>
@@ -594,7 +594,7 @@
             </a:ln>
             <a:extLst>
               <a:ext uri="{91240B29-F687-4f45-9708-019B960494DF}">
-                <a14:hiddenLine xmlns="" xmlns:a14="http://schemas.microsoft.com/office/drawing/2010/main" w="9525">
+                <a14:hiddenLine xmlns:a14="http://schemas.microsoft.com/office/drawing/2010/main" xmlns="" w="9525">
                   <a:solidFill>
                     <a:srgbClr val="000000"/>
                   </a:solidFill>
@@ -656,7 +656,7 @@
             </a:ln>
             <a:extLst>
               <a:ext uri="{91240B29-F687-4f45-9708-019B960494DF}">
-                <a14:hiddenLine xmlns="" xmlns:a14="http://schemas.microsoft.com/office/drawing/2010/main" w="9525">
+                <a14:hiddenLine xmlns:a14="http://schemas.microsoft.com/office/drawing/2010/main" xmlns="" w="9525">
                   <a:solidFill>
                     <a:srgbClr val="000000"/>
                   </a:solidFill>
@@ -746,7 +746,7 @@
             </a:ln>
             <a:extLst>
               <a:ext uri="{91240B29-F687-4f45-9708-019B960494DF}">
-                <a14:hiddenLine xmlns="" xmlns:a14="http://schemas.microsoft.com/office/drawing/2010/main" w="9525">
+                <a14:hiddenLine xmlns:a14="http://schemas.microsoft.com/office/drawing/2010/main" xmlns="" w="9525">
                   <a:solidFill>
                     <a:srgbClr val="000000"/>
                   </a:solidFill>
@@ -808,7 +808,7 @@
             </a:ln>
             <a:extLst>
               <a:ext uri="{91240B29-F687-4f45-9708-019B960494DF}">
-                <a14:hiddenLine xmlns="" xmlns:a14="http://schemas.microsoft.com/office/drawing/2010/main" w="9525">
+                <a14:hiddenLine xmlns:a14="http://schemas.microsoft.com/office/drawing/2010/main" xmlns="" w="9525">
                   <a:solidFill>
                     <a:srgbClr val="000000"/>
                   </a:solidFill>
@@ -870,7 +870,7 @@
             </a:ln>
             <a:extLst>
               <a:ext uri="{91240B29-F687-4f45-9708-019B960494DF}">
-                <a14:hiddenLine xmlns="" xmlns:a14="http://schemas.microsoft.com/office/drawing/2010/main" w="9525">
+                <a14:hiddenLine xmlns:a14="http://schemas.microsoft.com/office/drawing/2010/main" xmlns="" w="9525">
                   <a:solidFill>
                     <a:srgbClr val="000000"/>
                   </a:solidFill>
@@ -960,7 +960,7 @@
             </a:ln>
             <a:extLst>
               <a:ext uri="{91240B29-F687-4f45-9708-019B960494DF}">
-                <a14:hiddenLine xmlns="" xmlns:a14="http://schemas.microsoft.com/office/drawing/2010/main" w="9525">
+                <a14:hiddenLine xmlns:a14="http://schemas.microsoft.com/office/drawing/2010/main" xmlns="" w="9525">
                   <a:solidFill>
                     <a:srgbClr val="000000"/>
                   </a:solidFill>
@@ -1050,7 +1050,7 @@
             </a:ln>
             <a:extLst>
               <a:ext uri="{91240B29-F687-4f45-9708-019B960494DF}">
-                <a14:hiddenLine xmlns="" xmlns:a14="http://schemas.microsoft.com/office/drawing/2010/main" w="9525">
+                <a14:hiddenLine xmlns:a14="http://schemas.microsoft.com/office/drawing/2010/main" xmlns="" w="9525">
                   <a:solidFill>
                     <a:srgbClr val="000000"/>
                   </a:solidFill>
@@ -1112,7 +1112,7 @@
             </a:ln>
             <a:extLst>
               <a:ext uri="{91240B29-F687-4f45-9708-019B960494DF}">
-                <a14:hiddenLine xmlns="" xmlns:a14="http://schemas.microsoft.com/office/drawing/2010/main" w="9525">
+                <a14:hiddenLine xmlns:a14="http://schemas.microsoft.com/office/drawing/2010/main" xmlns="" w="9525">
                   <a:solidFill>
                     <a:srgbClr val="000000"/>
                   </a:solidFill>
@@ -1222,7 +1222,7 @@
             </a:ln>
             <a:extLst>
               <a:ext uri="{91240B29-F687-4f45-9708-019B960494DF}">
-                <a14:hiddenLine xmlns="" xmlns:a14="http://schemas.microsoft.com/office/drawing/2010/main" w="9525">
+                <a14:hiddenLine xmlns:a14="http://schemas.microsoft.com/office/drawing/2010/main" xmlns="" w="9525">
                   <a:solidFill>
                     <a:srgbClr val="000000"/>
                   </a:solidFill>
@@ -1284,7 +1284,7 @@
             </a:ln>
             <a:extLst>
               <a:ext uri="{91240B29-F687-4f45-9708-019B960494DF}">
-                <a14:hiddenLine xmlns="" xmlns:a14="http://schemas.microsoft.com/office/drawing/2010/main" w="9525">
+                <a14:hiddenLine xmlns:a14="http://schemas.microsoft.com/office/drawing/2010/main" xmlns="" w="9525">
                   <a:solidFill>
                     <a:srgbClr val="000000"/>
                   </a:solidFill>
@@ -1374,7 +1374,7 @@
             </a:ln>
             <a:extLst>
               <a:ext uri="{91240B29-F687-4f45-9708-019B960494DF}">
-                <a14:hiddenLine xmlns="" xmlns:a14="http://schemas.microsoft.com/office/drawing/2010/main" w="9525">
+                <a14:hiddenLine xmlns:a14="http://schemas.microsoft.com/office/drawing/2010/main" xmlns="" w="9525">
                   <a:solidFill>
                     <a:srgbClr val="000000"/>
                   </a:solidFill>
@@ -1464,7 +1464,7 @@
             </a:ln>
             <a:extLst>
               <a:ext uri="{91240B29-F687-4f45-9708-019B960494DF}">
-                <a14:hiddenLine xmlns="" xmlns:a14="http://schemas.microsoft.com/office/drawing/2010/main" w="9525">
+                <a14:hiddenLine xmlns:a14="http://schemas.microsoft.com/office/drawing/2010/main" xmlns="" w="9525">
                   <a:solidFill>
                     <a:srgbClr val="000000"/>
                   </a:solidFill>
@@ -1526,7 +1526,7 @@
             </a:ln>
             <a:extLst>
               <a:ext uri="{91240B29-F687-4f45-9708-019B960494DF}">
-                <a14:hiddenLine xmlns="" xmlns:a14="http://schemas.microsoft.com/office/drawing/2010/main" w="9525">
+                <a14:hiddenLine xmlns:a14="http://schemas.microsoft.com/office/drawing/2010/main" xmlns="" w="9525">
                   <a:solidFill>
                     <a:srgbClr val="000000"/>
                   </a:solidFill>
@@ -1616,7 +1616,7 @@
             </a:ln>
             <a:extLst>
               <a:ext uri="{91240B29-F687-4f45-9708-019B960494DF}">
-                <a14:hiddenLine xmlns="" xmlns:a14="http://schemas.microsoft.com/office/drawing/2010/main" w="9525">
+                <a14:hiddenLine xmlns:a14="http://schemas.microsoft.com/office/drawing/2010/main" xmlns="" w="9525">
                   <a:solidFill>
                     <a:srgbClr val="000000"/>
                   </a:solidFill>
@@ -1706,7 +1706,7 @@
             </a:ln>
             <a:extLst>
               <a:ext uri="{91240B29-F687-4f45-9708-019B960494DF}">
-                <a14:hiddenLine xmlns="" xmlns:a14="http://schemas.microsoft.com/office/drawing/2010/main" w="9525">
+                <a14:hiddenLine xmlns:a14="http://schemas.microsoft.com/office/drawing/2010/main" xmlns="" w="9525">
                   <a:solidFill>
                     <a:srgbClr val="000000"/>
                   </a:solidFill>
@@ -1762,7 +1762,7 @@
             </a:ln>
             <a:extLst>
               <a:ext uri="{91240B29-F687-4f45-9708-019B960494DF}">
-                <a14:hiddenLine xmlns="" xmlns:a14="http://schemas.microsoft.com/office/drawing/2010/main" w="9525">
+                <a14:hiddenLine xmlns:a14="http://schemas.microsoft.com/office/drawing/2010/main" xmlns="" w="9525">
                   <a:solidFill>
                     <a:srgbClr val="000000"/>
                   </a:solidFill>
@@ -1852,7 +1852,7 @@
             </a:ln>
             <a:extLst>
               <a:ext uri="{91240B29-F687-4f45-9708-019B960494DF}">
-                <a14:hiddenLine xmlns="" xmlns:a14="http://schemas.microsoft.com/office/drawing/2010/main" w="9525">
+                <a14:hiddenLine xmlns:a14="http://schemas.microsoft.com/office/drawing/2010/main" xmlns="" w="9525">
                   <a:solidFill>
                     <a:srgbClr val="000000"/>
                   </a:solidFill>
@@ -1908,7 +1908,7 @@
             </a:ln>
             <a:extLst>
               <a:ext uri="{91240B29-F687-4f45-9708-019B960494DF}">
-                <a14:hiddenLine xmlns="" xmlns:a14="http://schemas.microsoft.com/office/drawing/2010/main" w="9525">
+                <a14:hiddenLine xmlns:a14="http://schemas.microsoft.com/office/drawing/2010/main" xmlns="" w="9525">
                   <a:solidFill>
                     <a:srgbClr val="000000"/>
                   </a:solidFill>
@@ -1998,7 +1998,7 @@
             </a:ln>
             <a:extLst>
               <a:ext uri="{91240B29-F687-4f45-9708-019B960494DF}">
-                <a14:hiddenLine xmlns="" xmlns:a14="http://schemas.microsoft.com/office/drawing/2010/main" w="9525">
+                <a14:hiddenLine xmlns:a14="http://schemas.microsoft.com/office/drawing/2010/main" xmlns="" w="9525">
                   <a:solidFill>
                     <a:srgbClr val="000000"/>
                   </a:solidFill>
@@ -2066,7 +2066,7 @@
             </a:ln>
             <a:extLst>
               <a:ext uri="{91240B29-F687-4f45-9708-019B960494DF}">
-                <a14:hiddenLine xmlns="" xmlns:a14="http://schemas.microsoft.com/office/drawing/2010/main" w="9525">
+                <a14:hiddenLine xmlns:a14="http://schemas.microsoft.com/office/drawing/2010/main" xmlns="" w="9525">
                   <a:solidFill>
                     <a:srgbClr val="000000"/>
                   </a:solidFill>
@@ -2156,7 +2156,7 @@
             </a:ln>
             <a:extLst>
               <a:ext uri="{91240B29-F687-4f45-9708-019B960494DF}">
-                <a14:hiddenLine xmlns="" xmlns:a14="http://schemas.microsoft.com/office/drawing/2010/main" w="9525">
+                <a14:hiddenLine xmlns:a14="http://schemas.microsoft.com/office/drawing/2010/main" xmlns="" w="9525">
                   <a:solidFill>
                     <a:srgbClr val="000000"/>
                   </a:solidFill>
@@ -2224,7 +2224,7 @@
             </a:ln>
             <a:extLst>
               <a:ext uri="{91240B29-F687-4f45-9708-019B960494DF}">
-                <a14:hiddenLine xmlns="" xmlns:a14="http://schemas.microsoft.com/office/drawing/2010/main" w="9525">
+                <a14:hiddenLine xmlns:a14="http://schemas.microsoft.com/office/drawing/2010/main" xmlns="" w="9525">
                   <a:solidFill>
                     <a:srgbClr val="000000"/>
                   </a:solidFill>
@@ -2314,7 +2314,7 @@
             </a:ln>
             <a:extLst>
               <a:ext uri="{91240B29-F687-4f45-9708-019B960494DF}">
-                <a14:hiddenLine xmlns="" xmlns:a14="http://schemas.microsoft.com/office/drawing/2010/main" w="9525">
+                <a14:hiddenLine xmlns:a14="http://schemas.microsoft.com/office/drawing/2010/main" xmlns="" w="9525">
                   <a:solidFill>
                     <a:srgbClr val="000000"/>
                   </a:solidFill>
@@ -2348,7 +2348,7 @@
             </a:ln>
             <a:extLst>
               <a:ext uri="{91240B29-F687-4f45-9708-019B960494DF}">
-                <a14:hiddenLine xmlns="" xmlns:a14="http://schemas.microsoft.com/office/drawing/2010/main" w="9525">
+                <a14:hiddenLine xmlns:a14="http://schemas.microsoft.com/office/drawing/2010/main" xmlns="" w="9525">
                   <a:solidFill>
                     <a:srgbClr val="000000"/>
                   </a:solidFill>
@@ -2438,7 +2438,7 @@
             </a:ln>
             <a:extLst>
               <a:ext uri="{91240B29-F687-4f45-9708-019B960494DF}">
-                <a14:hiddenLine xmlns="" xmlns:a14="http://schemas.microsoft.com/office/drawing/2010/main" w="9525">
+                <a14:hiddenLine xmlns:a14="http://schemas.microsoft.com/office/drawing/2010/main" xmlns="" w="9525">
                   <a:solidFill>
                     <a:srgbClr val="000000"/>
                   </a:solidFill>
@@ -2500,7 +2500,7 @@
             </a:ln>
             <a:extLst>
               <a:ext uri="{91240B29-F687-4f45-9708-019B960494DF}">
-                <a14:hiddenLine xmlns="" xmlns:a14="http://schemas.microsoft.com/office/drawing/2010/main" w="9525">
+                <a14:hiddenLine xmlns:a14="http://schemas.microsoft.com/office/drawing/2010/main" xmlns="" w="9525">
                   <a:solidFill>
                     <a:srgbClr val="000000"/>
                   </a:solidFill>
@@ -2562,7 +2562,7 @@
             </a:ln>
             <a:extLst>
               <a:ext uri="{91240B29-F687-4f45-9708-019B960494DF}">
-                <a14:hiddenLine xmlns="" xmlns:a14="http://schemas.microsoft.com/office/drawing/2010/main" w="9525">
+                <a14:hiddenLine xmlns:a14="http://schemas.microsoft.com/office/drawing/2010/main" xmlns="" w="9525">
                   <a:solidFill>
                     <a:srgbClr val="000000"/>
                   </a:solidFill>
@@ -2652,7 +2652,7 @@
             </a:ln>
             <a:extLst>
               <a:ext uri="{91240B29-F687-4f45-9708-019B960494DF}">
-                <a14:hiddenLine xmlns="" xmlns:a14="http://schemas.microsoft.com/office/drawing/2010/main" w="9525">
+                <a14:hiddenLine xmlns:a14="http://schemas.microsoft.com/office/drawing/2010/main" xmlns="" w="9525">
                   <a:solidFill>
                     <a:srgbClr val="000000"/>
                   </a:solidFill>
@@ -2720,7 +2720,7 @@
             </a:ln>
             <a:extLst>
               <a:ext uri="{91240B29-F687-4f45-9708-019B960494DF}">
-                <a14:hiddenLine xmlns="" xmlns:a14="http://schemas.microsoft.com/office/drawing/2010/main" w="9525">
+                <a14:hiddenLine xmlns:a14="http://schemas.microsoft.com/office/drawing/2010/main" xmlns="" w="9525">
                   <a:solidFill>
                     <a:srgbClr val="000000"/>
                   </a:solidFill>
@@ -2782,7 +2782,7 @@
             </a:ln>
             <a:extLst>
               <a:ext uri="{91240B29-F687-4f45-9708-019B960494DF}">
-                <a14:hiddenLine xmlns="" xmlns:a14="http://schemas.microsoft.com/office/drawing/2010/main" w="9525">
+                <a14:hiddenLine xmlns:a14="http://schemas.microsoft.com/office/drawing/2010/main" xmlns="" w="9525">
                   <a:solidFill>
                     <a:srgbClr val="000000"/>
                   </a:solidFill>
@@ -2872,7 +2872,7 @@
             </a:ln>
             <a:extLst>
               <a:ext uri="{91240B29-F687-4f45-9708-019B960494DF}">
-                <a14:hiddenLine xmlns="" xmlns:a14="http://schemas.microsoft.com/office/drawing/2010/main" w="9525">
+                <a14:hiddenLine xmlns:a14="http://schemas.microsoft.com/office/drawing/2010/main" xmlns="" w="9525">
                   <a:solidFill>
                     <a:srgbClr val="000000"/>
                   </a:solidFill>
@@ -2934,7 +2934,7 @@
             </a:ln>
             <a:extLst>
               <a:ext uri="{91240B29-F687-4f45-9708-019B960494DF}">
-                <a14:hiddenLine xmlns="" xmlns:a14="http://schemas.microsoft.com/office/drawing/2010/main" w="9525">
+                <a14:hiddenLine xmlns:a14="http://schemas.microsoft.com/office/drawing/2010/main" xmlns="" w="9525">
                   <a:solidFill>
                     <a:srgbClr val="000000"/>
                   </a:solidFill>
@@ -3024,7 +3024,7 @@
             </a:ln>
             <a:extLst>
               <a:ext uri="{91240B29-F687-4f45-9708-019B960494DF}">
-                <a14:hiddenLine xmlns="" xmlns:a14="http://schemas.microsoft.com/office/drawing/2010/main" w="9525">
+                <a14:hiddenLine xmlns:a14="http://schemas.microsoft.com/office/drawing/2010/main" xmlns="" w="9525">
                   <a:solidFill>
                     <a:srgbClr val="000000"/>
                   </a:solidFill>
@@ -3086,7 +3086,7 @@
             </a:ln>
             <a:extLst>
               <a:ext uri="{91240B29-F687-4f45-9708-019B960494DF}">
-                <a14:hiddenLine xmlns="" xmlns:a14="http://schemas.microsoft.com/office/drawing/2010/main" w="9525">
+                <a14:hiddenLine xmlns:a14="http://schemas.microsoft.com/office/drawing/2010/main" xmlns="" w="9525">
                   <a:solidFill>
                     <a:srgbClr val="000000"/>
                   </a:solidFill>
@@ -3176,7 +3176,7 @@
             </a:ln>
             <a:extLst>
               <a:ext uri="{91240B29-F687-4f45-9708-019B960494DF}">
-                <a14:hiddenLine xmlns="" xmlns:a14="http://schemas.microsoft.com/office/drawing/2010/main" w="9525">
+                <a14:hiddenLine xmlns:a14="http://schemas.microsoft.com/office/drawing/2010/main" xmlns="" w="9525">
                   <a:solidFill>
                     <a:srgbClr val="000000"/>
                   </a:solidFill>
@@ -3210,7 +3210,7 @@
             </a:ln>
             <a:extLst>
               <a:ext uri="{91240B29-F687-4f45-9708-019B960494DF}">
-                <a14:hiddenLine xmlns="" xmlns:a14="http://schemas.microsoft.com/office/drawing/2010/main" w="9525">
+                <a14:hiddenLine xmlns:a14="http://schemas.microsoft.com/office/drawing/2010/main" xmlns="" w="9525">
                   <a:solidFill>
                     <a:srgbClr val="000000"/>
                   </a:solidFill>
@@ -3275,7 +3275,7 @@
             </a:ln>
             <a:extLst>
               <a:ext uri="{91240B29-F687-4f45-9708-019B960494DF}">
-                <a14:hiddenLine xmlns="" xmlns:a14="http://schemas.microsoft.com/office/drawing/2010/main" w="9525">
+                <a14:hiddenLine xmlns:a14="http://schemas.microsoft.com/office/drawing/2010/main" xmlns="" w="9525">
                   <a:solidFill>
                     <a:srgbClr val="000000"/>
                   </a:solidFill>
@@ -3365,7 +3365,7 @@
             </a:ln>
             <a:extLst>
               <a:ext uri="{91240B29-F687-4f45-9708-019B960494DF}">
-                <a14:hiddenLine xmlns="" xmlns:a14="http://schemas.microsoft.com/office/drawing/2010/main" w="9525">
+                <a14:hiddenLine xmlns:a14="http://schemas.microsoft.com/office/drawing/2010/main" xmlns="" w="9525">
                   <a:solidFill>
                     <a:srgbClr val="000000"/>
                   </a:solidFill>
@@ -3427,7 +3427,7 @@
             </a:ln>
             <a:extLst>
               <a:ext uri="{91240B29-F687-4f45-9708-019B960494DF}">
-                <a14:hiddenLine xmlns="" xmlns:a14="http://schemas.microsoft.com/office/drawing/2010/main" w="9525">
+                <a14:hiddenLine xmlns:a14="http://schemas.microsoft.com/office/drawing/2010/main" xmlns="" w="9525">
                   <a:solidFill>
                     <a:srgbClr val="000000"/>
                   </a:solidFill>
@@ -3517,7 +3517,7 @@
             </a:ln>
             <a:extLst>
               <a:ext uri="{91240B29-F687-4f45-9708-019B960494DF}">
-                <a14:hiddenLine xmlns="" xmlns:a14="http://schemas.microsoft.com/office/drawing/2010/main" w="9525">
+                <a14:hiddenLine xmlns:a14="http://schemas.microsoft.com/office/drawing/2010/main" xmlns="" w="9525">
                   <a:solidFill>
                     <a:srgbClr val="000000"/>
                   </a:solidFill>
@@ -3607,7 +3607,7 @@
             </a:ln>
             <a:extLst>
               <a:ext uri="{91240B29-F687-4f45-9708-019B960494DF}">
-                <a14:hiddenLine xmlns="" xmlns:a14="http://schemas.microsoft.com/office/drawing/2010/main" w="9525">
+                <a14:hiddenLine xmlns:a14="http://schemas.microsoft.com/office/drawing/2010/main" xmlns="" w="9525">
                   <a:solidFill>
                     <a:srgbClr val="000000"/>
                   </a:solidFill>
@@ -3672,7 +3672,7 @@
             </a:ln>
             <a:extLst>
               <a:ext uri="{91240B29-F687-4f45-9708-019B960494DF}">
-                <a14:hiddenLine xmlns="" xmlns:a14="http://schemas.microsoft.com/office/drawing/2010/main" w="9525">
+                <a14:hiddenLine xmlns:a14="http://schemas.microsoft.com/office/drawing/2010/main" xmlns="" w="9525">
                   <a:solidFill>
                     <a:srgbClr val="000000"/>
                   </a:solidFill>
@@ -3734,7 +3734,7 @@
             </a:ln>
             <a:extLst>
               <a:ext uri="{91240B29-F687-4f45-9708-019B960494DF}">
-                <a14:hiddenLine xmlns="" xmlns:a14="http://schemas.microsoft.com/office/drawing/2010/main" w="9525">
+                <a14:hiddenLine xmlns:a14="http://schemas.microsoft.com/office/drawing/2010/main" xmlns="" w="9525">
                   <a:solidFill>
                     <a:srgbClr val="000000"/>
                   </a:solidFill>
@@ -3824,7 +3824,7 @@
             </a:ln>
             <a:extLst>
               <a:ext uri="{91240B29-F687-4f45-9708-019B960494DF}">
-                <a14:hiddenLine xmlns="" xmlns:a14="http://schemas.microsoft.com/office/drawing/2010/main" w="9525">
+                <a14:hiddenLine xmlns:a14="http://schemas.microsoft.com/office/drawing/2010/main" xmlns="" w="9525">
                   <a:solidFill>
                     <a:srgbClr val="000000"/>
                   </a:solidFill>
@@ -3914,7 +3914,7 @@
             </a:ln>
             <a:extLst>
               <a:ext uri="{91240B29-F687-4f45-9708-019B960494DF}">
-                <a14:hiddenLine xmlns="" xmlns:a14="http://schemas.microsoft.com/office/drawing/2010/main" w="9525">
+                <a14:hiddenLine xmlns:a14="http://schemas.microsoft.com/office/drawing/2010/main" xmlns="" w="9525">
                   <a:solidFill>
                     <a:srgbClr val="000000"/>
                   </a:solidFill>
@@ -3976,7 +3976,7 @@
             </a:ln>
             <a:extLst>
               <a:ext uri="{91240B29-F687-4f45-9708-019B960494DF}">
-                <a14:hiddenLine xmlns="" xmlns:a14="http://schemas.microsoft.com/office/drawing/2010/main" w="9525">
+                <a14:hiddenLine xmlns:a14="http://schemas.microsoft.com/office/drawing/2010/main" xmlns="" w="9525">
                   <a:solidFill>
                     <a:srgbClr val="000000"/>
                   </a:solidFill>
@@ -4096,7 +4096,7 @@
             </a:ln>
             <a:extLst>
               <a:ext uri="{91240B29-F687-4f45-9708-019B960494DF}">
-                <a14:hiddenLine xmlns="" xmlns:a14="http://schemas.microsoft.com/office/drawing/2010/main" w="9525">
+                <a14:hiddenLine xmlns:a14="http://schemas.microsoft.com/office/drawing/2010/main" xmlns="" w="9525">
                   <a:solidFill>
                     <a:srgbClr val="000000"/>
                   </a:solidFill>
@@ -4164,7 +4164,7 @@
             </a:ln>
             <a:extLst>
               <a:ext uri="{91240B29-F687-4f45-9708-019B960494DF}">
-                <a14:hiddenLine xmlns="" xmlns:a14="http://schemas.microsoft.com/office/drawing/2010/main" w="9525">
+                <a14:hiddenLine xmlns:a14="http://schemas.microsoft.com/office/drawing/2010/main" xmlns="" w="9525">
                   <a:solidFill>
                     <a:srgbClr val="000000"/>
                   </a:solidFill>
@@ -4254,7 +4254,7 @@
             </a:ln>
             <a:extLst>
               <a:ext uri="{91240B29-F687-4f45-9708-019B960494DF}">
-                <a14:hiddenLine xmlns="" xmlns:a14="http://schemas.microsoft.com/office/drawing/2010/main" w="9525">
+                <a14:hiddenLine xmlns:a14="http://schemas.microsoft.com/office/drawing/2010/main" xmlns="" w="9525">
                   <a:solidFill>
                     <a:srgbClr val="000000"/>
                   </a:solidFill>
@@ -8976,7 +8976,7 @@
           <a:noFill/>
           <a:extLst>
             <a:ext uri="{909E8E84-426E-40dd-AFC4-6F175D3DCCD1}">
-              <a14:hiddenFill xmlns="" xmlns:a14="http://schemas.microsoft.com/office/drawing/2010/main">
+              <a14:hiddenFill xmlns:a14="http://schemas.microsoft.com/office/drawing/2010/main" xmlns="">
                 <a:solidFill>
                   <a:srgbClr val="FFFFFF"/>
                 </a:solidFill>
@@ -9050,7 +9050,7 @@
               </a:ln>
               <a:extLst>
                 <a:ext uri="{91240B29-F687-4f45-9708-019B960494DF}">
-                  <a14:hiddenLine xmlns="" xmlns:a14="http://schemas.microsoft.com/office/drawing/2010/main" w="9525">
+                  <a14:hiddenLine xmlns:a14="http://schemas.microsoft.com/office/drawing/2010/main" xmlns="" w="9525">
                     <a:solidFill>
                       <a:srgbClr val="000000"/>
                     </a:solidFill>
@@ -9140,7 +9140,7 @@
               </a:ln>
               <a:extLst>
                 <a:ext uri="{91240B29-F687-4f45-9708-019B960494DF}">
-                  <a14:hiddenLine xmlns="" xmlns:a14="http://schemas.microsoft.com/office/drawing/2010/main" w="9525">
+                  <a14:hiddenLine xmlns:a14="http://schemas.microsoft.com/office/drawing/2010/main" xmlns="" w="9525">
                     <a:solidFill>
                       <a:srgbClr val="000000"/>
                     </a:solidFill>
@@ -9230,7 +9230,7 @@
               </a:ln>
               <a:extLst>
                 <a:ext uri="{91240B29-F687-4f45-9708-019B960494DF}">
-                  <a14:hiddenLine xmlns="" xmlns:a14="http://schemas.microsoft.com/office/drawing/2010/main" w="9525">
+                  <a14:hiddenLine xmlns:a14="http://schemas.microsoft.com/office/drawing/2010/main" xmlns="" w="9525">
                     <a:solidFill>
                       <a:srgbClr val="000000"/>
                     </a:solidFill>
@@ -9292,7 +9292,7 @@
               </a:ln>
               <a:extLst>
                 <a:ext uri="{91240B29-F687-4f45-9708-019B960494DF}">
-                  <a14:hiddenLine xmlns="" xmlns:a14="http://schemas.microsoft.com/office/drawing/2010/main" w="9525">
+                  <a14:hiddenLine xmlns:a14="http://schemas.microsoft.com/office/drawing/2010/main" xmlns="" w="9525">
                     <a:solidFill>
                       <a:srgbClr val="000000"/>
                     </a:solidFill>
@@ -9382,7 +9382,7 @@
               </a:ln>
               <a:extLst>
                 <a:ext uri="{91240B29-F687-4f45-9708-019B960494DF}">
-                  <a14:hiddenLine xmlns="" xmlns:a14="http://schemas.microsoft.com/office/drawing/2010/main" w="9525">
+                  <a14:hiddenLine xmlns:a14="http://schemas.microsoft.com/office/drawing/2010/main" xmlns="" w="9525">
                     <a:solidFill>
                       <a:srgbClr val="000000"/>
                     </a:solidFill>
@@ -9444,7 +9444,7 @@
               </a:ln>
               <a:extLst>
                 <a:ext uri="{91240B29-F687-4f45-9708-019B960494DF}">
-                  <a14:hiddenLine xmlns="" xmlns:a14="http://schemas.microsoft.com/office/drawing/2010/main" w="9525">
+                  <a14:hiddenLine xmlns:a14="http://schemas.microsoft.com/office/drawing/2010/main" xmlns="" w="9525">
                     <a:solidFill>
                       <a:srgbClr val="000000"/>
                     </a:solidFill>
@@ -9506,7 +9506,7 @@
               </a:ln>
               <a:extLst>
                 <a:ext uri="{91240B29-F687-4f45-9708-019B960494DF}">
-                  <a14:hiddenLine xmlns="" xmlns:a14="http://schemas.microsoft.com/office/drawing/2010/main" w="9525">
+                  <a14:hiddenLine xmlns:a14="http://schemas.microsoft.com/office/drawing/2010/main" xmlns="" w="9525">
                     <a:solidFill>
                       <a:srgbClr val="000000"/>
                     </a:solidFill>
@@ -9596,7 +9596,7 @@
               </a:ln>
               <a:extLst>
                 <a:ext uri="{91240B29-F687-4f45-9708-019B960494DF}">
-                  <a14:hiddenLine xmlns="" xmlns:a14="http://schemas.microsoft.com/office/drawing/2010/main" w="9525">
+                  <a14:hiddenLine xmlns:a14="http://schemas.microsoft.com/office/drawing/2010/main" xmlns="" w="9525">
                     <a:solidFill>
                       <a:srgbClr val="000000"/>
                     </a:solidFill>
@@ -9686,7 +9686,7 @@
               </a:ln>
               <a:extLst>
                 <a:ext uri="{91240B29-F687-4f45-9708-019B960494DF}">
-                  <a14:hiddenLine xmlns="" xmlns:a14="http://schemas.microsoft.com/office/drawing/2010/main" w="9525">
+                  <a14:hiddenLine xmlns:a14="http://schemas.microsoft.com/office/drawing/2010/main" xmlns="" w="9525">
                     <a:solidFill>
                       <a:srgbClr val="000000"/>
                     </a:solidFill>
@@ -9748,7 +9748,7 @@
               </a:ln>
               <a:extLst>
                 <a:ext uri="{91240B29-F687-4f45-9708-019B960494DF}">
-                  <a14:hiddenLine xmlns="" xmlns:a14="http://schemas.microsoft.com/office/drawing/2010/main" w="9525">
+                  <a14:hiddenLine xmlns:a14="http://schemas.microsoft.com/office/drawing/2010/main" xmlns="" w="9525">
                     <a:solidFill>
                       <a:srgbClr val="000000"/>
                     </a:solidFill>
@@ -9858,7 +9858,7 @@
               </a:ln>
               <a:extLst>
                 <a:ext uri="{91240B29-F687-4f45-9708-019B960494DF}">
-                  <a14:hiddenLine xmlns="" xmlns:a14="http://schemas.microsoft.com/office/drawing/2010/main" w="9525">
+                  <a14:hiddenLine xmlns:a14="http://schemas.microsoft.com/office/drawing/2010/main" xmlns="" w="9525">
                     <a:solidFill>
                       <a:srgbClr val="000000"/>
                     </a:solidFill>
@@ -9942,7 +9942,7 @@
               </a:ln>
               <a:extLst>
                 <a:ext uri="{91240B29-F687-4f45-9708-019B960494DF}">
-                  <a14:hiddenLine xmlns="" xmlns:a14="http://schemas.microsoft.com/office/drawing/2010/main" w="9525">
+                  <a14:hiddenLine xmlns:a14="http://schemas.microsoft.com/office/drawing/2010/main" xmlns="" w="9525">
                     <a:solidFill>
                       <a:srgbClr val="000000"/>
                     </a:solidFill>
@@ -10004,7 +10004,7 @@
               </a:ln>
               <a:extLst>
                 <a:ext uri="{91240B29-F687-4f45-9708-019B960494DF}">
-                  <a14:hiddenLine xmlns="" xmlns:a14="http://schemas.microsoft.com/office/drawing/2010/main" w="9525">
+                  <a14:hiddenLine xmlns:a14="http://schemas.microsoft.com/office/drawing/2010/main" xmlns="" w="9525">
                     <a:solidFill>
                       <a:srgbClr val="000000"/>
                     </a:solidFill>
@@ -10066,7 +10066,7 @@
               </a:ln>
               <a:extLst>
                 <a:ext uri="{91240B29-F687-4f45-9708-019B960494DF}">
-                  <a14:hiddenLine xmlns="" xmlns:a14="http://schemas.microsoft.com/office/drawing/2010/main" w="9525">
+                  <a14:hiddenLine xmlns:a14="http://schemas.microsoft.com/office/drawing/2010/main" xmlns="" w="9525">
                     <a:solidFill>
                       <a:srgbClr val="000000"/>
                     </a:solidFill>
@@ -10156,7 +10156,7 @@
               </a:ln>
               <a:extLst>
                 <a:ext uri="{91240B29-F687-4f45-9708-019B960494DF}">
-                  <a14:hiddenLine xmlns="" xmlns:a14="http://schemas.microsoft.com/office/drawing/2010/main" w="9525">
+                  <a14:hiddenLine xmlns:a14="http://schemas.microsoft.com/office/drawing/2010/main" xmlns="" w="9525">
                     <a:solidFill>
                       <a:srgbClr val="000000"/>
                     </a:solidFill>
@@ -10190,7 +10190,7 @@
               </a:ln>
               <a:extLst>
                 <a:ext uri="{91240B29-F687-4f45-9708-019B960494DF}">
-                  <a14:hiddenLine xmlns="" xmlns:a14="http://schemas.microsoft.com/office/drawing/2010/main" w="9525">
+                  <a14:hiddenLine xmlns:a14="http://schemas.microsoft.com/office/drawing/2010/main" xmlns="" w="9525">
                     <a:solidFill>
                       <a:srgbClr val="000000"/>
                     </a:solidFill>
@@ -10255,7 +10255,7 @@
               </a:ln>
               <a:extLst>
                 <a:ext uri="{91240B29-F687-4f45-9708-019B960494DF}">
-                  <a14:hiddenLine xmlns="" xmlns:a14="http://schemas.microsoft.com/office/drawing/2010/main" w="9525">
+                  <a14:hiddenLine xmlns:a14="http://schemas.microsoft.com/office/drawing/2010/main" xmlns="" w="9525">
                     <a:solidFill>
                       <a:srgbClr val="000000"/>
                     </a:solidFill>
@@ -10345,7 +10345,7 @@
               </a:ln>
               <a:extLst>
                 <a:ext uri="{91240B29-F687-4f45-9708-019B960494DF}">
-                  <a14:hiddenLine xmlns="" xmlns:a14="http://schemas.microsoft.com/office/drawing/2010/main" w="9525">
+                  <a14:hiddenLine xmlns:a14="http://schemas.microsoft.com/office/drawing/2010/main" xmlns="" w="9525">
                     <a:solidFill>
                       <a:srgbClr val="000000"/>
                     </a:solidFill>
@@ -10407,7 +10407,7 @@
               </a:ln>
               <a:extLst>
                 <a:ext uri="{91240B29-F687-4f45-9708-019B960494DF}">
-                  <a14:hiddenLine xmlns="" xmlns:a14="http://schemas.microsoft.com/office/drawing/2010/main" w="9525">
+                  <a14:hiddenLine xmlns:a14="http://schemas.microsoft.com/office/drawing/2010/main" xmlns="" w="9525">
                     <a:solidFill>
                       <a:srgbClr val="000000"/>
                     </a:solidFill>
@@ -10497,7 +10497,7 @@
               </a:ln>
               <a:extLst>
                 <a:ext uri="{91240B29-F687-4f45-9708-019B960494DF}">
-                  <a14:hiddenLine xmlns="" xmlns:a14="http://schemas.microsoft.com/office/drawing/2010/main" w="9525">
+                  <a14:hiddenLine xmlns:a14="http://schemas.microsoft.com/office/drawing/2010/main" xmlns="" w="9525">
                     <a:solidFill>
                       <a:srgbClr val="000000"/>
                     </a:solidFill>
@@ -10562,7 +10562,7 @@
               </a:ln>
               <a:extLst>
                 <a:ext uri="{91240B29-F687-4f45-9708-019B960494DF}">
-                  <a14:hiddenLine xmlns="" xmlns:a14="http://schemas.microsoft.com/office/drawing/2010/main" w="9525">
+                  <a14:hiddenLine xmlns:a14="http://schemas.microsoft.com/office/drawing/2010/main" xmlns="" w="9525">
                     <a:solidFill>
                       <a:srgbClr val="000000"/>
                     </a:solidFill>
@@ -10624,7 +10624,7 @@
               </a:ln>
               <a:extLst>
                 <a:ext uri="{91240B29-F687-4f45-9708-019B960494DF}">
-                  <a14:hiddenLine xmlns="" xmlns:a14="http://schemas.microsoft.com/office/drawing/2010/main" w="9525">
+                  <a14:hiddenLine xmlns:a14="http://schemas.microsoft.com/office/drawing/2010/main" xmlns="" w="9525">
                     <a:solidFill>
                       <a:srgbClr val="000000"/>
                     </a:solidFill>
@@ -10714,7 +10714,7 @@
               </a:ln>
               <a:extLst>
                 <a:ext uri="{91240B29-F687-4f45-9708-019B960494DF}">
-                  <a14:hiddenLine xmlns="" xmlns:a14="http://schemas.microsoft.com/office/drawing/2010/main" w="9525">
+                  <a14:hiddenLine xmlns:a14="http://schemas.microsoft.com/office/drawing/2010/main" xmlns="" w="9525">
                     <a:solidFill>
                       <a:srgbClr val="000000"/>
                     </a:solidFill>
@@ -10804,7 +10804,7 @@
               </a:ln>
               <a:extLst>
                 <a:ext uri="{91240B29-F687-4f45-9708-019B960494DF}">
-                  <a14:hiddenLine xmlns="" xmlns:a14="http://schemas.microsoft.com/office/drawing/2010/main" w="9525">
+                  <a14:hiddenLine xmlns:a14="http://schemas.microsoft.com/office/drawing/2010/main" xmlns="" w="9525">
                     <a:solidFill>
                       <a:srgbClr val="000000"/>
                     </a:solidFill>
@@ -10869,7 +10869,7 @@
               </a:ln>
               <a:extLst>
                 <a:ext uri="{91240B29-F687-4f45-9708-019B960494DF}">
-                  <a14:hiddenLine xmlns="" xmlns:a14="http://schemas.microsoft.com/office/drawing/2010/main" w="9525">
+                  <a14:hiddenLine xmlns:a14="http://schemas.microsoft.com/office/drawing/2010/main" xmlns="" w="9525">
                     <a:solidFill>
                       <a:srgbClr val="000000"/>
                     </a:solidFill>
@@ -10989,7 +10989,7 @@
               </a:ln>
               <a:extLst>
                 <a:ext uri="{91240B29-F687-4f45-9708-019B960494DF}">
-                  <a14:hiddenLine xmlns="" xmlns:a14="http://schemas.microsoft.com/office/drawing/2010/main" w="9525">
+                  <a14:hiddenLine xmlns:a14="http://schemas.microsoft.com/office/drawing/2010/main" xmlns="" w="9525">
                     <a:solidFill>
                       <a:srgbClr val="000000"/>
                     </a:solidFill>
@@ -11087,7 +11087,7 @@
               </a:ln>
               <a:extLst>
                 <a:ext uri="{91240B29-F687-4f45-9708-019B960494DF}">
-                  <a14:hiddenLine xmlns="" xmlns:a14="http://schemas.microsoft.com/office/drawing/2010/main" w="9525">
+                  <a14:hiddenLine xmlns:a14="http://schemas.microsoft.com/office/drawing/2010/main" xmlns="" w="9525">
                     <a:solidFill>
                       <a:srgbClr val="000000"/>
                     </a:solidFill>
@@ -11202,7 +11202,7 @@
               </a:ln>
               <a:extLst>
                 <a:ext uri="{91240B29-F687-4f45-9708-019B960494DF}">
-                  <a14:hiddenLine xmlns="" xmlns:a14="http://schemas.microsoft.com/office/drawing/2010/main" w="9525">
+                  <a14:hiddenLine xmlns:a14="http://schemas.microsoft.com/office/drawing/2010/main" xmlns="" w="9525">
                     <a:solidFill>
                       <a:srgbClr val="000000"/>
                     </a:solidFill>
@@ -11292,7 +11292,7 @@
               </a:ln>
               <a:extLst>
                 <a:ext uri="{91240B29-F687-4f45-9708-019B960494DF}">
-                  <a14:hiddenLine xmlns="" xmlns:a14="http://schemas.microsoft.com/office/drawing/2010/main" w="9525">
+                  <a14:hiddenLine xmlns:a14="http://schemas.microsoft.com/office/drawing/2010/main" xmlns="" w="9525">
                     <a:solidFill>
                       <a:srgbClr val="000000"/>
                     </a:solidFill>
@@ -11357,7 +11357,7 @@
               </a:ln>
               <a:extLst>
                 <a:ext uri="{91240B29-F687-4f45-9708-019B960494DF}">
-                  <a14:hiddenLine xmlns="" xmlns:a14="http://schemas.microsoft.com/office/drawing/2010/main" w="9525">
+                  <a14:hiddenLine xmlns:a14="http://schemas.microsoft.com/office/drawing/2010/main" xmlns="" w="9525">
                     <a:solidFill>
                       <a:srgbClr val="000000"/>
                     </a:solidFill>
@@ -11447,7 +11447,7 @@
               </a:ln>
               <a:extLst>
                 <a:ext uri="{91240B29-F687-4f45-9708-019B960494DF}">
-                  <a14:hiddenLine xmlns="" xmlns:a14="http://schemas.microsoft.com/office/drawing/2010/main" w="9525">
+                  <a14:hiddenLine xmlns:a14="http://schemas.microsoft.com/office/drawing/2010/main" xmlns="" w="9525">
                     <a:solidFill>
                       <a:srgbClr val="000000"/>
                     </a:solidFill>
@@ -11515,7 +11515,7 @@
               </a:ln>
               <a:extLst>
                 <a:ext uri="{91240B29-F687-4f45-9708-019B960494DF}">
-                  <a14:hiddenLine xmlns="" xmlns:a14="http://schemas.microsoft.com/office/drawing/2010/main" w="9525">
+                  <a14:hiddenLine xmlns:a14="http://schemas.microsoft.com/office/drawing/2010/main" xmlns="" w="9525">
                     <a:solidFill>
                       <a:srgbClr val="000000"/>
                     </a:solidFill>
@@ -11605,7 +11605,7 @@
               </a:ln>
               <a:extLst>
                 <a:ext uri="{91240B29-F687-4f45-9708-019B960494DF}">
-                  <a14:hiddenLine xmlns="" xmlns:a14="http://schemas.microsoft.com/office/drawing/2010/main" w="9525">
+                  <a14:hiddenLine xmlns:a14="http://schemas.microsoft.com/office/drawing/2010/main" xmlns="" w="9525">
                     <a:solidFill>
                       <a:srgbClr val="000000"/>
                     </a:solidFill>
@@ -11673,7 +11673,7 @@
               </a:ln>
               <a:extLst>
                 <a:ext uri="{91240B29-F687-4f45-9708-019B960494DF}">
-                  <a14:hiddenLine xmlns="" xmlns:a14="http://schemas.microsoft.com/office/drawing/2010/main" w="9525">
+                  <a14:hiddenLine xmlns:a14="http://schemas.microsoft.com/office/drawing/2010/main" xmlns="" w="9525">
                     <a:solidFill>
                       <a:srgbClr val="000000"/>
                     </a:solidFill>
@@ -11763,7 +11763,7 @@
               </a:ln>
               <a:extLst>
                 <a:ext uri="{91240B29-F687-4f45-9708-019B960494DF}">
-                  <a14:hiddenLine xmlns="" xmlns:a14="http://schemas.microsoft.com/office/drawing/2010/main" w="9525">
+                  <a14:hiddenLine xmlns:a14="http://schemas.microsoft.com/office/drawing/2010/main" xmlns="" w="9525">
                     <a:solidFill>
                       <a:srgbClr val="000000"/>
                     </a:solidFill>
@@ -11797,7 +11797,7 @@
               </a:ln>
               <a:extLst>
                 <a:ext uri="{91240B29-F687-4f45-9708-019B960494DF}">
-                  <a14:hiddenLine xmlns="" xmlns:a14="http://schemas.microsoft.com/office/drawing/2010/main" w="9525">
+                  <a14:hiddenLine xmlns:a14="http://schemas.microsoft.com/office/drawing/2010/main" xmlns="" w="9525">
                     <a:solidFill>
                       <a:srgbClr val="000000"/>
                     </a:solidFill>
@@ -12728,9 +12728,39 @@
           <a:chExt cx="0" cy="0"/>
         </a:xfrm>
       </p:grpSpPr>
+      <p:sp>
+        <p:nvSpPr>
+          <p:cNvPr id="5" name="Text Placeholder 4"/>
+          <p:cNvSpPr>
+            <a:spLocks noGrp="1"/>
+          </p:cNvSpPr>
+          <p:nvPr>
+            <p:ph type="body" sz="quarter" idx="3"/>
+          </p:nvPr>
+        </p:nvSpPr>
+        <p:spPr>
+          <a:xfrm>
+            <a:off x="4544646" y="0"/>
+            <a:ext cx="5045873" cy="823912"/>
+          </a:xfrm>
+        </p:spPr>
+        <p:txBody>
+          <a:bodyPr>
+            <a:normAutofit/>
+          </a:bodyPr>
+          <a:lstStyle/>
+          <a:p>
+            <a:r>
+              <a:rPr lang="fr-MA" sz="3200" dirty="0" err="1" smtClean="0"/>
+              <a:t>Wireframe</a:t>
+            </a:r>
+            <a:endParaRPr lang="fr-FR" sz="3200" dirty="0"/>
+          </a:p>
+        </p:txBody>
+      </p:sp>
       <p:pic>
         <p:nvPicPr>
-          <p:cNvPr id="4" name="Picture 3"/>
+          <p:cNvPr id="6" name="Picture 5"/>
           <p:cNvPicPr>
             <a:picLocks noChangeAspect="1"/>
           </p:cNvPicPr>
@@ -12750,49 +12780,78 @@
         </p:blipFill>
         <p:spPr>
           <a:xfrm>
-            <a:off x="1542728" y="1068654"/>
-            <a:ext cx="9631778" cy="5419829"/>
+            <a:off x="460909" y="823912"/>
+            <a:ext cx="2912584" cy="5852160"/>
           </a:xfrm>
           <a:prstGeom prst="rect">
             <a:avLst/>
           </a:prstGeom>
         </p:spPr>
       </p:pic>
-      <p:sp>
-        <p:nvSpPr>
-          <p:cNvPr id="3" name="Title 1"/>
-          <p:cNvSpPr>
-            <a:spLocks noGrp="1"/>
-          </p:cNvSpPr>
-          <p:nvPr>
-            <p:ph type="title"/>
-          </p:nvPr>
-        </p:nvSpPr>
+      <p:pic>
+        <p:nvPicPr>
+          <p:cNvPr id="7" name="Picture 6"/>
+          <p:cNvPicPr>
+            <a:picLocks noChangeAspect="1"/>
+          </p:cNvPicPr>
+          <p:nvPr/>
+        </p:nvPicPr>
+        <p:blipFill>
+          <a:blip r:embed="rId3">
+            <a:extLst>
+              <a:ext uri="{28A0092B-C50C-407E-A947-70E740481C1C}">
+                <a14:useLocalDpi xmlns:a14="http://schemas.microsoft.com/office/drawing/2010/main" val="0"/>
+              </a:ext>
+            </a:extLst>
+          </a:blip>
+          <a:stretch>
+            <a:fillRect/>
+          </a:stretch>
+        </p:blipFill>
         <p:spPr>
           <a:xfrm>
-            <a:off x="1141413" y="196124"/>
-            <a:ext cx="9905998" cy="872530"/>
+            <a:off x="7762136" y="823912"/>
+            <a:ext cx="4151189" cy="5852160"/>
           </a:xfrm>
+          <a:prstGeom prst="rect">
+            <a:avLst/>
+          </a:prstGeom>
         </p:spPr>
-        <p:txBody>
-          <a:bodyPr>
-            <a:normAutofit/>
-          </a:bodyPr>
-          <a:lstStyle/>
-          <a:p>
-            <a:pPr algn="ctr"/>
-            <a:r>
-              <a:rPr lang="fr-MA" sz="4000" dirty="0" err="1" smtClean="0"/>
-              <a:t>wireframe</a:t>
-            </a:r>
-            <a:endParaRPr lang="en-US" sz="4000" dirty="0"/>
-          </a:p>
-        </p:txBody>
-      </p:sp>
+      </p:pic>
+      <p:pic>
+        <p:nvPicPr>
+          <p:cNvPr id="8" name="Picture 7"/>
+          <p:cNvPicPr>
+            <a:picLocks noChangeAspect="1"/>
+          </p:cNvPicPr>
+          <p:nvPr/>
+        </p:nvPicPr>
+        <p:blipFill>
+          <a:blip r:embed="rId4">
+            <a:extLst>
+              <a:ext uri="{28A0092B-C50C-407E-A947-70E740481C1C}">
+                <a14:useLocalDpi xmlns:a14="http://schemas.microsoft.com/office/drawing/2010/main" val="0"/>
+              </a:ext>
+            </a:extLst>
+          </a:blip>
+          <a:stretch>
+            <a:fillRect/>
+          </a:stretch>
+        </p:blipFill>
+        <p:spPr>
+          <a:xfrm>
+            <a:off x="3795221" y="823912"/>
+            <a:ext cx="3545187" cy="5852160"/>
+          </a:xfrm>
+          <a:prstGeom prst="rect">
+            <a:avLst/>
+          </a:prstGeom>
+        </p:spPr>
+      </p:pic>
     </p:spTree>
     <p:extLst>
       <p:ext uri="{BB962C8B-B14F-4D97-AF65-F5344CB8AC3E}">
-        <p14:creationId xmlns:p14="http://schemas.microsoft.com/office/powerpoint/2010/main" val="3365698050"/>
+        <p14:creationId xmlns:p14="http://schemas.microsoft.com/office/powerpoint/2010/main" val="1774114435"/>
       </p:ext>
     </p:extLst>
   </p:cSld>
@@ -12926,18 +12985,18 @@
       </p:grpSpPr>
       <p:sp>
         <p:nvSpPr>
-          <p:cNvPr id="3" name="Text Placeholder 2"/>
+          <p:cNvPr id="3" name="Title 1"/>
           <p:cNvSpPr>
             <a:spLocks noGrp="1"/>
           </p:cNvSpPr>
           <p:nvPr>
-            <p:ph type="body" idx="1"/>
+            <p:ph type="title"/>
           </p:nvPr>
         </p:nvSpPr>
         <p:spPr>
           <a:xfrm>
-            <a:off x="2146358" y="0"/>
-            <a:ext cx="4649783" cy="823912"/>
+            <a:off x="2841698" y="127113"/>
+            <a:ext cx="9905998" cy="872530"/>
           </a:xfrm>
         </p:spPr>
         <p:txBody>
@@ -12948,56 +13007,20 @@
           <a:p>
             <a:pPr algn="ctr"/>
             <a:r>
-              <a:rPr lang="fr-MA" sz="2800" dirty="0" smtClean="0"/>
-              <a:t>Version </a:t>
-            </a:r>
-            <a:r>
-              <a:rPr lang="fr-MA" sz="3200" dirty="0" smtClean="0"/>
-              <a:t>mobile</a:t>
-            </a:r>
-            <a:endParaRPr lang="fr-FR" sz="3200" dirty="0"/>
-          </a:p>
-        </p:txBody>
-      </p:sp>
-      <p:sp>
-        <p:nvSpPr>
-          <p:cNvPr id="5" name="Text Placeholder 4"/>
-          <p:cNvSpPr>
-            <a:spLocks noGrp="1"/>
-          </p:cNvSpPr>
-          <p:nvPr>
-            <p:ph type="body" sz="quarter" idx="3"/>
-          </p:nvPr>
-        </p:nvSpPr>
-        <p:spPr>
-          <a:xfrm>
-            <a:off x="6796141" y="0"/>
-            <a:ext cx="5045873" cy="823912"/>
-          </a:xfrm>
-        </p:spPr>
-        <p:txBody>
-          <a:bodyPr>
-            <a:normAutofit/>
-          </a:bodyPr>
-          <a:lstStyle/>
-          <a:p>
-            <a:r>
-              <a:rPr lang="fr-MA" sz="3200" dirty="0" err="1" smtClean="0"/>
-              <a:t>Wireframe</a:t>
-            </a:r>
-            <a:endParaRPr lang="fr-FR" sz="3200" dirty="0"/>
+              <a:rPr lang="fr-MA" sz="4000" dirty="0" err="1" smtClean="0"/>
+              <a:t>wireframe</a:t>
+            </a:r>
+            <a:endParaRPr lang="en-US" sz="4000" dirty="0"/>
           </a:p>
         </p:txBody>
       </p:sp>
       <p:pic>
         <p:nvPicPr>
-          <p:cNvPr id="9" name="Content Placeholder 8"/>
+          <p:cNvPr id="2" name="Picture 1"/>
           <p:cNvPicPr>
-            <a:picLocks noGrp="1" noChangeAspect="1"/>
+            <a:picLocks noChangeAspect="1"/>
           </p:cNvPicPr>
-          <p:nvPr>
-            <p:ph sz="half" idx="2"/>
-          </p:nvPr>
+          <p:nvPr/>
         </p:nvPicPr>
         <p:blipFill>
           <a:blip r:embed="rId2">
@@ -13013,15 +13036,290 @@
         </p:blipFill>
         <p:spPr>
           <a:xfrm>
-            <a:off x="3894326" y="913148"/>
-            <a:ext cx="4178290" cy="5669280"/>
+            <a:off x="3663213" y="930631"/>
+            <a:ext cx="1045528" cy="5852160"/>
           </a:xfrm>
+          <a:prstGeom prst="rect">
+            <a:avLst/>
+          </a:prstGeom>
         </p:spPr>
       </p:pic>
+      <p:pic>
+        <p:nvPicPr>
+          <p:cNvPr id="5" name="Picture 4"/>
+          <p:cNvPicPr>
+            <a:picLocks noChangeAspect="1"/>
+          </p:cNvPicPr>
+          <p:nvPr/>
+        </p:nvPicPr>
+        <p:blipFill>
+          <a:blip r:embed="rId3">
+            <a:extLst>
+              <a:ext uri="{28A0092B-C50C-407E-A947-70E740481C1C}">
+                <a14:useLocalDpi xmlns:a14="http://schemas.microsoft.com/office/drawing/2010/main" val="0"/>
+              </a:ext>
+            </a:extLst>
+          </a:blip>
+          <a:stretch>
+            <a:fillRect/>
+          </a:stretch>
+        </p:blipFill>
+        <p:spPr>
+          <a:xfrm>
+            <a:off x="5582693" y="930631"/>
+            <a:ext cx="775402" cy="5760720"/>
+          </a:xfrm>
+          <a:prstGeom prst="rect">
+            <a:avLst/>
+          </a:prstGeom>
+        </p:spPr>
+      </p:pic>
+      <p:pic>
+        <p:nvPicPr>
+          <p:cNvPr id="6" name="Picture 5"/>
+          <p:cNvPicPr>
+            <a:picLocks noChangeAspect="1"/>
+          </p:cNvPicPr>
+          <p:nvPr/>
+        </p:nvPicPr>
+        <p:blipFill>
+          <a:blip r:embed="rId4">
+            <a:extLst>
+              <a:ext uri="{28A0092B-C50C-407E-A947-70E740481C1C}">
+                <a14:useLocalDpi xmlns:a14="http://schemas.microsoft.com/office/drawing/2010/main" val="0"/>
+              </a:ext>
+            </a:extLst>
+          </a:blip>
+          <a:stretch>
+            <a:fillRect/>
+          </a:stretch>
+        </p:blipFill>
+        <p:spPr>
+          <a:xfrm>
+            <a:off x="7337593" y="930631"/>
+            <a:ext cx="914209" cy="5760720"/>
+          </a:xfrm>
+          <a:prstGeom prst="rect">
+            <a:avLst/>
+          </a:prstGeom>
+        </p:spPr>
+      </p:pic>
+      <p:sp>
+        <p:nvSpPr>
+          <p:cNvPr id="7" name="Text Placeholder 2"/>
+          <p:cNvSpPr txBox="1">
+            <a:spLocks/>
+          </p:cNvSpPr>
+          <p:nvPr/>
+        </p:nvSpPr>
+        <p:spPr>
+          <a:xfrm>
+            <a:off x="2051468" y="98951"/>
+            <a:ext cx="4649783" cy="823912"/>
+          </a:xfrm>
+          <a:prstGeom prst="rect">
+            <a:avLst/>
+          </a:prstGeom>
+        </p:spPr>
+        <p:txBody>
+          <a:bodyPr vert="horz" lIns="91440" tIns="45720" rIns="91440" bIns="45720" rtlCol="0">
+            <a:normAutofit/>
+          </a:bodyPr>
+          <a:lstStyle>
+            <a:lvl1pPr marL="228600" indent="-228600" algn="l" defTabSz="914400" rtl="0" eaLnBrk="1" latinLnBrk="0" hangingPunct="1">
+              <a:lnSpc>
+                <a:spcPct val="120000"/>
+              </a:lnSpc>
+              <a:spcBef>
+                <a:spcPts val="1000"/>
+              </a:spcBef>
+              <a:buSzPct val="125000"/>
+              <a:buFont typeface="Arial" panose="020B0604020202020204" pitchFamily="34" charset="0"/>
+              <a:buChar char="•"/>
+              <a:defRPr sz="2400" kern="1200">
+                <a:solidFill>
+                  <a:schemeClr val="tx1"/>
+                </a:solidFill>
+                <a:latin typeface="+mn-lt"/>
+                <a:ea typeface="+mn-ea"/>
+                <a:cs typeface="+mn-cs"/>
+              </a:defRPr>
+            </a:lvl1pPr>
+            <a:lvl2pPr marL="685800" indent="-228600" algn="l" defTabSz="914400" rtl="0" eaLnBrk="1" latinLnBrk="0" hangingPunct="1">
+              <a:lnSpc>
+                <a:spcPct val="120000"/>
+              </a:lnSpc>
+              <a:spcBef>
+                <a:spcPts val="500"/>
+              </a:spcBef>
+              <a:buSzPct val="125000"/>
+              <a:buFont typeface="Arial" panose="020B0604020202020204" pitchFamily="34" charset="0"/>
+              <a:buChar char="•"/>
+              <a:defRPr sz="2000" kern="1200">
+                <a:solidFill>
+                  <a:schemeClr val="tx1"/>
+                </a:solidFill>
+                <a:latin typeface="+mn-lt"/>
+                <a:ea typeface="+mn-ea"/>
+                <a:cs typeface="+mn-cs"/>
+              </a:defRPr>
+            </a:lvl2pPr>
+            <a:lvl3pPr marL="1143000" indent="-228600" algn="l" defTabSz="914400" rtl="0" eaLnBrk="1" latinLnBrk="0" hangingPunct="1">
+              <a:lnSpc>
+                <a:spcPct val="120000"/>
+              </a:lnSpc>
+              <a:spcBef>
+                <a:spcPts val="500"/>
+              </a:spcBef>
+              <a:buSzPct val="125000"/>
+              <a:buFont typeface="Arial" panose="020B0604020202020204" pitchFamily="34" charset="0"/>
+              <a:buChar char="•"/>
+              <a:defRPr sz="1800" kern="1200">
+                <a:solidFill>
+                  <a:schemeClr val="tx1"/>
+                </a:solidFill>
+                <a:latin typeface="+mn-lt"/>
+                <a:ea typeface="+mn-ea"/>
+                <a:cs typeface="+mn-cs"/>
+              </a:defRPr>
+            </a:lvl3pPr>
+            <a:lvl4pPr marL="1600200" indent="-228600" algn="l" defTabSz="914400" rtl="0" eaLnBrk="1" latinLnBrk="0" hangingPunct="1">
+              <a:lnSpc>
+                <a:spcPct val="120000"/>
+              </a:lnSpc>
+              <a:spcBef>
+                <a:spcPts val="500"/>
+              </a:spcBef>
+              <a:buSzPct val="125000"/>
+              <a:buFont typeface="Arial" panose="020B0604020202020204" pitchFamily="34" charset="0"/>
+              <a:buChar char="•"/>
+              <a:defRPr sz="1600" kern="1200">
+                <a:solidFill>
+                  <a:schemeClr val="tx1"/>
+                </a:solidFill>
+                <a:latin typeface="+mn-lt"/>
+                <a:ea typeface="+mn-ea"/>
+                <a:cs typeface="+mn-cs"/>
+              </a:defRPr>
+            </a:lvl4pPr>
+            <a:lvl5pPr marL="2057400" indent="-228600" algn="l" defTabSz="914400" rtl="0" eaLnBrk="1" latinLnBrk="0" hangingPunct="1">
+              <a:lnSpc>
+                <a:spcPct val="120000"/>
+              </a:lnSpc>
+              <a:spcBef>
+                <a:spcPts val="500"/>
+              </a:spcBef>
+              <a:buSzPct val="125000"/>
+              <a:buFont typeface="Arial" panose="020B0604020202020204" pitchFamily="34" charset="0"/>
+              <a:buChar char="•"/>
+              <a:defRPr sz="1600" kern="1200">
+                <a:solidFill>
+                  <a:schemeClr val="tx1"/>
+                </a:solidFill>
+                <a:latin typeface="+mn-lt"/>
+                <a:ea typeface="+mn-ea"/>
+                <a:cs typeface="+mn-cs"/>
+              </a:defRPr>
+            </a:lvl5pPr>
+            <a:lvl6pPr marL="2514600" indent="-228600" algn="l" defTabSz="914400" rtl="0" eaLnBrk="1" latinLnBrk="0" hangingPunct="1">
+              <a:lnSpc>
+                <a:spcPct val="120000"/>
+              </a:lnSpc>
+              <a:spcBef>
+                <a:spcPts val="500"/>
+              </a:spcBef>
+              <a:buSzPct val="125000"/>
+              <a:buFont typeface="Arial" panose="020B0604020202020204" pitchFamily="34" charset="0"/>
+              <a:buChar char="•"/>
+              <a:defRPr sz="1400" kern="1200">
+                <a:solidFill>
+                  <a:schemeClr val="tx1"/>
+                </a:solidFill>
+                <a:latin typeface="+mn-lt"/>
+                <a:ea typeface="+mn-ea"/>
+                <a:cs typeface="+mn-cs"/>
+              </a:defRPr>
+            </a:lvl6pPr>
+            <a:lvl7pPr marL="2971800" indent="-228600" algn="l" defTabSz="914400" rtl="0" eaLnBrk="1" latinLnBrk="0" hangingPunct="1">
+              <a:lnSpc>
+                <a:spcPct val="120000"/>
+              </a:lnSpc>
+              <a:spcBef>
+                <a:spcPts val="500"/>
+              </a:spcBef>
+              <a:buSzPct val="125000"/>
+              <a:buFont typeface="Arial" panose="020B0604020202020204" pitchFamily="34" charset="0"/>
+              <a:buChar char="•"/>
+              <a:defRPr sz="1400" kern="1200">
+                <a:solidFill>
+                  <a:schemeClr val="tx1"/>
+                </a:solidFill>
+                <a:latin typeface="+mn-lt"/>
+                <a:ea typeface="+mn-ea"/>
+                <a:cs typeface="+mn-cs"/>
+              </a:defRPr>
+            </a:lvl7pPr>
+            <a:lvl8pPr marL="3429000" indent="-228600" algn="l" defTabSz="914400" rtl="0" eaLnBrk="1" latinLnBrk="0" hangingPunct="1">
+              <a:lnSpc>
+                <a:spcPct val="120000"/>
+              </a:lnSpc>
+              <a:spcBef>
+                <a:spcPts val="500"/>
+              </a:spcBef>
+              <a:buSzPct val="125000"/>
+              <a:buFont typeface="Arial" panose="020B0604020202020204" pitchFamily="34" charset="0"/>
+              <a:buChar char="•"/>
+              <a:defRPr sz="1400" kern="1200">
+                <a:solidFill>
+                  <a:schemeClr val="tx1"/>
+                </a:solidFill>
+                <a:latin typeface="+mn-lt"/>
+                <a:ea typeface="+mn-ea"/>
+                <a:cs typeface="+mn-cs"/>
+              </a:defRPr>
+            </a:lvl8pPr>
+            <a:lvl9pPr marL="3886200" indent="-228600" algn="l" defTabSz="914400" rtl="0" eaLnBrk="1" latinLnBrk="0" hangingPunct="1">
+              <a:lnSpc>
+                <a:spcPct val="120000"/>
+              </a:lnSpc>
+              <a:spcBef>
+                <a:spcPts val="500"/>
+              </a:spcBef>
+              <a:buSzPct val="125000"/>
+              <a:buFont typeface="Arial" panose="020B0604020202020204" pitchFamily="34" charset="0"/>
+              <a:buChar char="•"/>
+              <a:defRPr sz="1400" kern="1200">
+                <a:solidFill>
+                  <a:schemeClr val="tx1"/>
+                </a:solidFill>
+                <a:latin typeface="+mn-lt"/>
+                <a:ea typeface="+mn-ea"/>
+                <a:cs typeface="+mn-cs"/>
+              </a:defRPr>
+            </a:lvl9pPr>
+          </a:lstStyle>
+          <a:p>
+            <a:pPr marL="0" indent="0" algn="ctr">
+              <a:buNone/>
+            </a:pPr>
+            <a:r>
+              <a:rPr lang="fr-MA" sz="4000" dirty="0"/>
+              <a:t>Version mobile</a:t>
+            </a:r>
+            <a:endParaRPr lang="fr-FR" sz="4000" dirty="0"/>
+          </a:p>
+          <a:p>
+            <a:pPr marL="0" indent="0" algn="ctr">
+              <a:buNone/>
+            </a:pPr>
+            <a:endParaRPr lang="fr-FR" sz="4000" dirty="0"/>
+          </a:p>
+        </p:txBody>
+      </p:sp>
     </p:spTree>
     <p:extLst>
       <p:ext uri="{BB962C8B-B14F-4D97-AF65-F5344CB8AC3E}">
-        <p14:creationId xmlns:p14="http://schemas.microsoft.com/office/powerpoint/2010/main" val="1774114435"/>
+        <p14:creationId xmlns:p14="http://schemas.microsoft.com/office/powerpoint/2010/main" val="3365698050"/>
       </p:ext>
     </p:extLst>
   </p:cSld>
